--- a/HELP.pptx
+++ b/HELP.pptx
@@ -107,6 +107,11 @@
       </a:defRPr>
     </a:lvl9pPr>
   </p:defaultTextStyle>
+  <p:extLst>
+    <p:ext uri="{EFAFB233-063F-42B5-8137-9DF3F51BA10A}">
+      <p15:sldGuideLst xmlns:p15="http://schemas.microsoft.com/office/powerpoint/2012/main"/>
+    </p:ext>
+  </p:extLst>
 </p:presentation>
 </file>
 
@@ -259,7 +264,7 @@
           <a:p>
             <a:fld id="{19CC63F1-1467-4B40-81F5-9E42679AB802}" type="datetimeFigureOut">
               <a:rPr lang="en-GB" smtClean="0"/>
-              <a:t>02/02/2025</a:t>
+              <a:t>05/02/2025</a:t>
             </a:fld>
             <a:endParaRPr lang="en-GB"/>
           </a:p>
@@ -459,7 +464,7 @@
           <a:p>
             <a:fld id="{19CC63F1-1467-4B40-81F5-9E42679AB802}" type="datetimeFigureOut">
               <a:rPr lang="en-GB" smtClean="0"/>
-              <a:t>02/02/2025</a:t>
+              <a:t>05/02/2025</a:t>
             </a:fld>
             <a:endParaRPr lang="en-GB"/>
           </a:p>
@@ -669,7 +674,7 @@
           <a:p>
             <a:fld id="{19CC63F1-1467-4B40-81F5-9E42679AB802}" type="datetimeFigureOut">
               <a:rPr lang="en-GB" smtClean="0"/>
-              <a:t>02/02/2025</a:t>
+              <a:t>05/02/2025</a:t>
             </a:fld>
             <a:endParaRPr lang="en-GB"/>
           </a:p>
@@ -869,7 +874,7 @@
           <a:p>
             <a:fld id="{19CC63F1-1467-4B40-81F5-9E42679AB802}" type="datetimeFigureOut">
               <a:rPr lang="en-GB" smtClean="0"/>
-              <a:t>02/02/2025</a:t>
+              <a:t>05/02/2025</a:t>
             </a:fld>
             <a:endParaRPr lang="en-GB"/>
           </a:p>
@@ -1145,7 +1150,7 @@
           <a:p>
             <a:fld id="{19CC63F1-1467-4B40-81F5-9E42679AB802}" type="datetimeFigureOut">
               <a:rPr lang="en-GB" smtClean="0"/>
-              <a:t>02/02/2025</a:t>
+              <a:t>05/02/2025</a:t>
             </a:fld>
             <a:endParaRPr lang="en-GB"/>
           </a:p>
@@ -1413,7 +1418,7 @@
           <a:p>
             <a:fld id="{19CC63F1-1467-4B40-81F5-9E42679AB802}" type="datetimeFigureOut">
               <a:rPr lang="en-GB" smtClean="0"/>
-              <a:t>02/02/2025</a:t>
+              <a:t>05/02/2025</a:t>
             </a:fld>
             <a:endParaRPr lang="en-GB"/>
           </a:p>
@@ -1828,7 +1833,7 @@
           <a:p>
             <a:fld id="{19CC63F1-1467-4B40-81F5-9E42679AB802}" type="datetimeFigureOut">
               <a:rPr lang="en-GB" smtClean="0"/>
-              <a:t>02/02/2025</a:t>
+              <a:t>05/02/2025</a:t>
             </a:fld>
             <a:endParaRPr lang="en-GB"/>
           </a:p>
@@ -1970,7 +1975,7 @@
           <a:p>
             <a:fld id="{19CC63F1-1467-4B40-81F5-9E42679AB802}" type="datetimeFigureOut">
               <a:rPr lang="en-GB" smtClean="0"/>
-              <a:t>02/02/2025</a:t>
+              <a:t>05/02/2025</a:t>
             </a:fld>
             <a:endParaRPr lang="en-GB"/>
           </a:p>
@@ -2083,7 +2088,7 @@
           <a:p>
             <a:fld id="{19CC63F1-1467-4B40-81F5-9E42679AB802}" type="datetimeFigureOut">
               <a:rPr lang="en-GB" smtClean="0"/>
-              <a:t>02/02/2025</a:t>
+              <a:t>05/02/2025</a:t>
             </a:fld>
             <a:endParaRPr lang="en-GB"/>
           </a:p>
@@ -2396,7 +2401,7 @@
           <a:p>
             <a:fld id="{19CC63F1-1467-4B40-81F5-9E42679AB802}" type="datetimeFigureOut">
               <a:rPr lang="en-GB" smtClean="0"/>
-              <a:t>02/02/2025</a:t>
+              <a:t>05/02/2025</a:t>
             </a:fld>
             <a:endParaRPr lang="en-GB"/>
           </a:p>
@@ -2685,7 +2690,7 @@
           <a:p>
             <a:fld id="{19CC63F1-1467-4B40-81F5-9E42679AB802}" type="datetimeFigureOut">
               <a:rPr lang="en-GB" smtClean="0"/>
-              <a:t>02/02/2025</a:t>
+              <a:t>05/02/2025</a:t>
             </a:fld>
             <a:endParaRPr lang="en-GB"/>
           </a:p>
@@ -2928,7 +2933,7 @@
           <a:p>
             <a:fld id="{19CC63F1-1467-4B40-81F5-9E42679AB802}" type="datetimeFigureOut">
               <a:rPr lang="en-GB" smtClean="0"/>
-              <a:t>02/02/2025</a:t>
+              <a:t>05/02/2025</a:t>
             </a:fld>
             <a:endParaRPr lang="en-GB"/>
           </a:p>
@@ -3669,14 +3674,14 @@
           <p:nvPr>
             <p:extLst>
               <p:ext uri="{D42A27DB-BD31-4B8C-83A1-F6EECF244321}">
-                <p14:modId xmlns:p14="http://schemas.microsoft.com/office/powerpoint/2010/main" val="3952819421"/>
+                <p14:modId xmlns:p14="http://schemas.microsoft.com/office/powerpoint/2010/main" val="3832629868"/>
               </p:ext>
             </p:extLst>
           </p:nvPr>
         </p:nvGraphicFramePr>
         <p:xfrm>
-          <a:off x="838200" y="1742439"/>
-          <a:ext cx="10509492" cy="4315464"/>
+          <a:off x="215347" y="1643270"/>
+          <a:ext cx="11724861" cy="4603986"/>
         </p:xfrm>
         <a:graphic>
           <a:graphicData uri="http://schemas.openxmlformats.org/drawingml/2006/table">
@@ -3685,21 +3690,21 @@
                 <a:tableStyleId>{5C22544A-7EE6-4342-B048-85BDC9FD1C3A}</a:tableStyleId>
               </a:tblPr>
               <a:tblGrid>
-                <a:gridCol w="3503164">
+                <a:gridCol w="3908287">
                   <a:extLst>
                     <a:ext uri="{9D8B030D-6E8A-4147-A177-3AD203B41FA5}">
                       <a16:colId xmlns:a16="http://schemas.microsoft.com/office/drawing/2014/main" val="4266719829"/>
                     </a:ext>
                   </a:extLst>
                 </a:gridCol>
-                <a:gridCol w="3503164">
+                <a:gridCol w="2482575">
                   <a:extLst>
                     <a:ext uri="{9D8B030D-6E8A-4147-A177-3AD203B41FA5}">
                       <a16:colId xmlns:a16="http://schemas.microsoft.com/office/drawing/2014/main" val="195907187"/>
                     </a:ext>
                   </a:extLst>
                 </a:gridCol>
-                <a:gridCol w="3503164">
+                <a:gridCol w="5333999">
                   <a:extLst>
                     <a:ext uri="{9D8B030D-6E8A-4147-A177-3AD203B41FA5}">
                       <a16:colId xmlns:a16="http://schemas.microsoft.com/office/drawing/2014/main" val="393090376"/>
@@ -3707,7 +3712,7 @@
                   </a:extLst>
                 </a:gridCol>
               </a:tblGrid>
-              <a:tr h="479496">
+              <a:tr h="482155">
                 <a:tc>
                   <a:txBody>
                     <a:bodyPr/>
@@ -3765,7 +3770,221 @@
                   </a:ext>
                 </a:extLst>
               </a:tr>
-              <a:tr h="479496">
+              <a:tr h="0">
+                <a:tc>
+                  <a:txBody>
+                    <a:bodyPr/>
+                    <a:lstStyle/>
+                    <a:p>
+                      <a:r>
+                        <a:rPr lang="en-GB" sz="2300" dirty="0"/>
+                        <a:t>Notebook_.</a:t>
+                      </a:r>
+                      <a:r>
+                        <a:rPr lang="en-GB" sz="2300" dirty="0" err="1"/>
+                        <a:t>Rmd</a:t>
+                      </a:r>
+                      <a:endParaRPr lang="en-GB" sz="2300" dirty="0"/>
+                    </a:p>
+                  </a:txBody>
+                  <a:tcPr marL="118232" marR="118232" marT="59116" marB="59116"/>
+                </a:tc>
+                <a:tc>
+                  <a:txBody>
+                    <a:bodyPr/>
+                    <a:lstStyle/>
+                    <a:p>
+                      <a:r>
+                        <a:rPr lang="en-GB" sz="2300" dirty="0"/>
+                        <a:t>R Markdown files</a:t>
+                      </a:r>
+                    </a:p>
+                  </a:txBody>
+                  <a:tcPr marL="118232" marR="118232" marT="59116" marB="59116"/>
+                </a:tc>
+                <a:tc>
+                  <a:txBody>
+                    <a:bodyPr/>
+                    <a:lstStyle/>
+                    <a:p>
+                      <a:r>
+                        <a:rPr lang="en-GB" sz="1100" dirty="0"/>
+                        <a:t>There are multiple of these files, but they all do the same thing, they give accounts of what I have done(1 and 2 are general, 3 and 4 are for the big heatmap-generating analyses and there is one for the literature reading)</a:t>
+                      </a:r>
+                    </a:p>
+                  </a:txBody>
+                  <a:tcPr marL="118232" marR="118232" marT="59116" marB="59116">
+                    <a:solidFill>
+                      <a:srgbClr val="0F296B">
+                        <a:alpha val="50000"/>
+                      </a:srgbClr>
+                    </a:solidFill>
+                  </a:tcPr>
+                </a:tc>
+                <a:extLst>
+                  <a:ext uri="{0D108BD9-81ED-4DB2-BD59-A6C34878D82A}">
+                    <a16:rowId xmlns:a16="http://schemas.microsoft.com/office/drawing/2014/main" val="4105482748"/>
+                  </a:ext>
+                </a:extLst>
+              </a:tr>
+              <a:tr h="414066">
+                <a:tc>
+                  <a:txBody>
+                    <a:bodyPr/>
+                    <a:lstStyle/>
+                    <a:p>
+                      <a:r>
+                        <a:rPr lang="en-GB" sz="2300" dirty="0" err="1"/>
+                        <a:t>KEGG_pipeline___.R</a:t>
+                      </a:r>
+                      <a:endParaRPr lang="en-GB" sz="2300" dirty="0"/>
+                    </a:p>
+                  </a:txBody>
+                  <a:tcPr marL="118232" marR="118232" marT="59116" marB="59116"/>
+                </a:tc>
+                <a:tc>
+                  <a:txBody>
+                    <a:bodyPr/>
+                    <a:lstStyle/>
+                    <a:p>
+                      <a:r>
+                        <a:rPr lang="en-GB" sz="2300" dirty="0"/>
+                        <a:t>R scripts</a:t>
+                      </a:r>
+                    </a:p>
+                  </a:txBody>
+                  <a:tcPr marL="118232" marR="118232" marT="59116" marB="59116"/>
+                </a:tc>
+                <a:tc>
+                  <a:txBody>
+                    <a:bodyPr/>
+                    <a:lstStyle/>
+                    <a:p>
+                      <a:r>
+                        <a:rPr lang="en-GB" sz="1100" dirty="0"/>
+                        <a:t>How I go from the .xlsx files output from eggnog to the heatmaps, I split it into 3 stages for efficiency and simplicity (titled: enrich, aggregate and heatmap)</a:t>
+                      </a:r>
+                    </a:p>
+                  </a:txBody>
+                  <a:tcPr marL="118232" marR="118232" marT="59116" marB="59116">
+                    <a:solidFill>
+                      <a:srgbClr val="5481AB">
+                        <a:alpha val="50000"/>
+                      </a:srgbClr>
+                    </a:solidFill>
+                  </a:tcPr>
+                </a:tc>
+                <a:extLst>
+                  <a:ext uri="{0D108BD9-81ED-4DB2-BD59-A6C34878D82A}">
+                    <a16:rowId xmlns:a16="http://schemas.microsoft.com/office/drawing/2014/main" val="654164339"/>
+                  </a:ext>
+                </a:extLst>
+              </a:tr>
+              <a:tr h="482155">
+                <a:tc>
+                  <a:txBody>
+                    <a:bodyPr/>
+                    <a:lstStyle/>
+                    <a:p>
+                      <a:r>
+                        <a:rPr lang="en-GB" sz="2300" dirty="0"/>
+                        <a:t>NCBI___</a:t>
+                      </a:r>
+                      <a:r>
+                        <a:rPr lang="en-GB" sz="2300" dirty="0" err="1"/>
+                        <a:t>collector.R</a:t>
+                      </a:r>
+                      <a:endParaRPr lang="en-GB" sz="2300" dirty="0"/>
+                    </a:p>
+                  </a:txBody>
+                  <a:tcPr marL="118232" marR="118232" marT="59116" marB="59116"/>
+                </a:tc>
+                <a:tc>
+                  <a:txBody>
+                    <a:bodyPr/>
+                    <a:lstStyle/>
+                    <a:p>
+                      <a:r>
+                        <a:rPr lang="en-GB" sz="2300" dirty="0"/>
+                        <a:t>R scripts</a:t>
+                      </a:r>
+                    </a:p>
+                  </a:txBody>
+                  <a:tcPr marL="118232" marR="118232" marT="59116" marB="59116"/>
+                </a:tc>
+                <a:tc>
+                  <a:txBody>
+                    <a:bodyPr/>
+                    <a:lstStyle/>
+                    <a:p>
+                      <a:r>
+                        <a:rPr lang="en-GB" sz="1100" dirty="0"/>
+                        <a:t>Two files, they both call the NCBI REST API to get different things off of the NCBI website, one gathers the </a:t>
+                      </a:r>
+                      <a:r>
+                        <a:rPr lang="en-GB" sz="1100" dirty="0" err="1"/>
+                        <a:t>fasta</a:t>
+                      </a:r>
+                      <a:r>
+                        <a:rPr lang="en-GB" sz="1100" dirty="0"/>
+                        <a:t> files to be ran through eggnog-mapper, the other gets the JSON files for metadata that can be added to heatmaps and phylogenetic trees.</a:t>
+                      </a:r>
+                    </a:p>
+                  </a:txBody>
+                  <a:tcPr marL="118232" marR="118232" marT="59116" marB="59116">
+                    <a:solidFill>
+                      <a:srgbClr val="8794B5"/>
+                    </a:solidFill>
+                  </a:tcPr>
+                </a:tc>
+                <a:extLst>
+                  <a:ext uri="{0D108BD9-81ED-4DB2-BD59-A6C34878D82A}">
+                    <a16:rowId xmlns:a16="http://schemas.microsoft.com/office/drawing/2014/main" val="3937577052"/>
+                  </a:ext>
+                </a:extLst>
+              </a:tr>
+              <a:tr h="482155">
+                <a:tc>
+                  <a:txBody>
+                    <a:bodyPr/>
+                    <a:lstStyle/>
+                    <a:p>
+                      <a:endParaRPr lang="en-GB" sz="2300"/>
+                    </a:p>
+                  </a:txBody>
+                  <a:tcPr marL="118232" marR="118232" marT="59116" marB="59116"/>
+                </a:tc>
+                <a:tc>
+                  <a:txBody>
+                    <a:bodyPr/>
+                    <a:lstStyle/>
+                    <a:p>
+                      <a:endParaRPr lang="en-GB" sz="2300" dirty="0"/>
+                    </a:p>
+                  </a:txBody>
+                  <a:tcPr marL="118232" marR="118232" marT="59116" marB="59116"/>
+                </a:tc>
+                <a:tc>
+                  <a:txBody>
+                    <a:bodyPr/>
+                    <a:lstStyle/>
+                    <a:p>
+                      <a:endParaRPr lang="en-GB" sz="2300" dirty="0"/>
+                    </a:p>
+                  </a:txBody>
+                  <a:tcPr marL="118232" marR="118232" marT="59116" marB="59116">
+                    <a:solidFill>
+                      <a:srgbClr val="A9C0D5"/>
+                    </a:solidFill>
+                  </a:tcPr>
+                </a:tc>
+                <a:extLst>
+                  <a:ext uri="{0D108BD9-81ED-4DB2-BD59-A6C34878D82A}">
+                    <a16:rowId xmlns:a16="http://schemas.microsoft.com/office/drawing/2014/main" val="1777748124"/>
+                  </a:ext>
+                </a:extLst>
+              </a:tr>
+              <a:tr h="482155">
                 <a:tc>
                   <a:txBody>
                     <a:bodyPr/>
@@ -3796,136 +4015,17 @@
                   </a:txBody>
                   <a:tcPr marL="118232" marR="118232" marT="59116" marB="59116">
                     <a:solidFill>
-                      <a:srgbClr val="0F296B">
-                        <a:alpha val="50000"/>
-                      </a:srgbClr>
+                      <a:srgbClr val="8794B5"/>
                     </a:solidFill>
                   </a:tcPr>
                 </a:tc>
                 <a:extLst>
                   <a:ext uri="{0D108BD9-81ED-4DB2-BD59-A6C34878D82A}">
-                    <a16:rowId xmlns:a16="http://schemas.microsoft.com/office/drawing/2014/main" val="4105482748"/>
+                    <a16:rowId xmlns:a16="http://schemas.microsoft.com/office/drawing/2014/main" val="448923651"/>
                   </a:ext>
                 </a:extLst>
               </a:tr>
-              <a:tr h="479496">
-                <a:tc>
-                  <a:txBody>
-                    <a:bodyPr/>
-                    <a:lstStyle/>
-                    <a:p>
-                      <a:endParaRPr lang="en-GB" sz="2300"/>
-                    </a:p>
-                  </a:txBody>
-                  <a:tcPr marL="118232" marR="118232" marT="59116" marB="59116"/>
-                </a:tc>
-                <a:tc>
-                  <a:txBody>
-                    <a:bodyPr/>
-                    <a:lstStyle/>
-                    <a:p>
-                      <a:endParaRPr lang="en-GB" sz="2300" dirty="0"/>
-                    </a:p>
-                  </a:txBody>
-                  <a:tcPr marL="118232" marR="118232" marT="59116" marB="59116"/>
-                </a:tc>
-                <a:tc>
-                  <a:txBody>
-                    <a:bodyPr/>
-                    <a:lstStyle/>
-                    <a:p>
-                      <a:endParaRPr lang="en-GB" sz="2300" dirty="0"/>
-                    </a:p>
-                  </a:txBody>
-                  <a:tcPr marL="118232" marR="118232" marT="59116" marB="59116">
-                    <a:solidFill>
-                      <a:srgbClr val="5481AB">
-                        <a:alpha val="50000"/>
-                      </a:srgbClr>
-                    </a:solidFill>
-                  </a:tcPr>
-                </a:tc>
-                <a:extLst>
-                  <a:ext uri="{0D108BD9-81ED-4DB2-BD59-A6C34878D82A}">
-                    <a16:rowId xmlns:a16="http://schemas.microsoft.com/office/drawing/2014/main" val="654164339"/>
-                  </a:ext>
-                </a:extLst>
-              </a:tr>
-              <a:tr h="479496">
-                <a:tc>
-                  <a:txBody>
-                    <a:bodyPr/>
-                    <a:lstStyle/>
-                    <a:p>
-                      <a:endParaRPr lang="en-GB" sz="2300"/>
-                    </a:p>
-                  </a:txBody>
-                  <a:tcPr marL="118232" marR="118232" marT="59116" marB="59116"/>
-                </a:tc>
-                <a:tc>
-                  <a:txBody>
-                    <a:bodyPr/>
-                    <a:lstStyle/>
-                    <a:p>
-                      <a:endParaRPr lang="en-GB" sz="2300"/>
-                    </a:p>
-                  </a:txBody>
-                  <a:tcPr marL="118232" marR="118232" marT="59116" marB="59116"/>
-                </a:tc>
-                <a:tc>
-                  <a:txBody>
-                    <a:bodyPr/>
-                    <a:lstStyle/>
-                    <a:p>
-                      <a:endParaRPr lang="en-GB" sz="2300"/>
-                    </a:p>
-                  </a:txBody>
-                  <a:tcPr marL="118232" marR="118232" marT="59116" marB="59116"/>
-                </a:tc>
-                <a:extLst>
-                  <a:ext uri="{0D108BD9-81ED-4DB2-BD59-A6C34878D82A}">
-                    <a16:rowId xmlns:a16="http://schemas.microsoft.com/office/drawing/2014/main" val="3937577052"/>
-                  </a:ext>
-                </a:extLst>
-              </a:tr>
-              <a:tr h="479496">
-                <a:tc>
-                  <a:txBody>
-                    <a:bodyPr/>
-                    <a:lstStyle/>
-                    <a:p>
-                      <a:endParaRPr lang="en-GB" sz="2300"/>
-                    </a:p>
-                  </a:txBody>
-                  <a:tcPr marL="118232" marR="118232" marT="59116" marB="59116"/>
-                </a:tc>
-                <a:tc>
-                  <a:txBody>
-                    <a:bodyPr/>
-                    <a:lstStyle/>
-                    <a:p>
-                      <a:endParaRPr lang="en-GB" sz="2300" dirty="0"/>
-                    </a:p>
-                  </a:txBody>
-                  <a:tcPr marL="118232" marR="118232" marT="59116" marB="59116"/>
-                </a:tc>
-                <a:tc>
-                  <a:txBody>
-                    <a:bodyPr/>
-                    <a:lstStyle/>
-                    <a:p>
-                      <a:endParaRPr lang="en-GB" sz="2300"/>
-                    </a:p>
-                  </a:txBody>
-                  <a:tcPr marL="118232" marR="118232" marT="59116" marB="59116"/>
-                </a:tc>
-                <a:extLst>
-                  <a:ext uri="{0D108BD9-81ED-4DB2-BD59-A6C34878D82A}">
-                    <a16:rowId xmlns:a16="http://schemas.microsoft.com/office/drawing/2014/main" val="1777748124"/>
-                  </a:ext>
-                </a:extLst>
-              </a:tr>
-              <a:tr h="479496">
+              <a:tr h="482155">
                 <a:tc>
                   <a:txBody>
                     <a:bodyPr/>
@@ -3954,15 +4054,19 @@
                       <a:endParaRPr lang="en-GB" sz="2300" dirty="0"/>
                     </a:p>
                   </a:txBody>
-                  <a:tcPr marL="118232" marR="118232" marT="59116" marB="59116"/>
+                  <a:tcPr marL="118232" marR="118232" marT="59116" marB="59116">
+                    <a:solidFill>
+                      <a:srgbClr val="A9C0D5"/>
+                    </a:solidFill>
+                  </a:tcPr>
                 </a:tc>
                 <a:extLst>
                   <a:ext uri="{0D108BD9-81ED-4DB2-BD59-A6C34878D82A}">
-                    <a16:rowId xmlns:a16="http://schemas.microsoft.com/office/drawing/2014/main" val="448923651"/>
+                    <a16:rowId xmlns:a16="http://schemas.microsoft.com/office/drawing/2014/main" val="3313831179"/>
                   </a:ext>
                 </a:extLst>
               </a:tr>
-              <a:tr h="479496">
+              <a:tr h="482155">
                 <a:tc>
                   <a:txBody>
                     <a:bodyPr/>
@@ -3991,15 +4095,19 @@
                       <a:endParaRPr lang="en-GB" sz="2300" dirty="0"/>
                     </a:p>
                   </a:txBody>
-                  <a:tcPr marL="118232" marR="118232" marT="59116" marB="59116"/>
+                  <a:tcPr marL="118232" marR="118232" marT="59116" marB="59116">
+                    <a:solidFill>
+                      <a:srgbClr val="8794B5"/>
+                    </a:solidFill>
+                  </a:tcPr>
                 </a:tc>
                 <a:extLst>
                   <a:ext uri="{0D108BD9-81ED-4DB2-BD59-A6C34878D82A}">
-                    <a16:rowId xmlns:a16="http://schemas.microsoft.com/office/drawing/2014/main" val="3313831179"/>
+                    <a16:rowId xmlns:a16="http://schemas.microsoft.com/office/drawing/2014/main" val="3093412818"/>
                   </a:ext>
                 </a:extLst>
               </a:tr>
-              <a:tr h="479496">
+              <a:tr h="482155">
                 <a:tc>
                   <a:txBody>
                     <a:bodyPr/>
@@ -4028,44 +4136,11 @@
                       <a:endParaRPr lang="en-GB" sz="2300" dirty="0"/>
                     </a:p>
                   </a:txBody>
-                  <a:tcPr marL="118232" marR="118232" marT="59116" marB="59116"/>
-                </a:tc>
-                <a:extLst>
-                  <a:ext uri="{0D108BD9-81ED-4DB2-BD59-A6C34878D82A}">
-                    <a16:rowId xmlns:a16="http://schemas.microsoft.com/office/drawing/2014/main" val="3093412818"/>
-                  </a:ext>
-                </a:extLst>
-              </a:tr>
-              <a:tr h="479496">
-                <a:tc>
-                  <a:txBody>
-                    <a:bodyPr/>
-                    <a:lstStyle/>
-                    <a:p>
-                      <a:endParaRPr lang="en-GB" sz="2300"/>
-                    </a:p>
-                  </a:txBody>
-                  <a:tcPr marL="118232" marR="118232" marT="59116" marB="59116"/>
-                </a:tc>
-                <a:tc>
-                  <a:txBody>
-                    <a:bodyPr/>
-                    <a:lstStyle/>
-                    <a:p>
-                      <a:endParaRPr lang="en-GB" sz="2300"/>
-                    </a:p>
-                  </a:txBody>
-                  <a:tcPr marL="118232" marR="118232" marT="59116" marB="59116"/>
-                </a:tc>
-                <a:tc>
-                  <a:txBody>
-                    <a:bodyPr/>
-                    <a:lstStyle/>
-                    <a:p>
-                      <a:endParaRPr lang="en-GB" sz="2300" dirty="0"/>
-                    </a:p>
-                  </a:txBody>
-                  <a:tcPr marL="118232" marR="118232" marT="59116" marB="59116"/>
+                  <a:tcPr marL="118232" marR="118232" marT="59116" marB="59116">
+                    <a:solidFill>
+                      <a:srgbClr val="A9C0D5"/>
+                    </a:solidFill>
+                  </a:tcPr>
                 </a:tc>
                 <a:extLst>
                   <a:ext uri="{0D108BD9-81ED-4DB2-BD59-A6C34878D82A}">
@@ -4123,7 +4198,12 @@
             <p:ph type="title"/>
           </p:nvPr>
         </p:nvSpPr>
-        <p:spPr/>
+        <p:spPr>
+          <a:xfrm>
+            <a:off x="838200" y="365125"/>
+            <a:ext cx="3733800" cy="1325563"/>
+          </a:xfrm>
+        </p:spPr>
         <p:txBody>
           <a:bodyPr/>
           <a:lstStyle/>
@@ -4137,28 +4217,2111 @@
       </p:sp>
       <p:sp>
         <p:nvSpPr>
-          <p:cNvPr id="3" name="Content Placeholder 2">
-            <a:extLst>
-              <a:ext uri="{FF2B5EF4-FFF2-40B4-BE49-F238E27FC236}">
-                <a16:creationId xmlns:a16="http://schemas.microsoft.com/office/drawing/2014/main" id="{58923796-AE1F-F915-1ADD-1F223B34CFC8}"/>
-              </a:ext>
-            </a:extLst>
-          </p:cNvPr>
-          <p:cNvSpPr>
-            <a:spLocks noGrp="1"/>
-          </p:cNvSpPr>
-          <p:nvPr>
-            <p:ph idx="1"/>
-          </p:nvPr>
-        </p:nvSpPr>
-        <p:spPr/>
-        <p:txBody>
-          <a:bodyPr/>
+          <p:cNvPr id="6" name="Rectangle 5">
+            <a:extLst>
+              <a:ext uri="{FF2B5EF4-FFF2-40B4-BE49-F238E27FC236}">
+                <a16:creationId xmlns:a16="http://schemas.microsoft.com/office/drawing/2014/main" id="{EB75820D-45F5-BAE7-C1CF-127C3443062B}"/>
+              </a:ext>
+            </a:extLst>
+          </p:cNvPr>
+          <p:cNvSpPr/>
+          <p:nvPr/>
+        </p:nvSpPr>
+        <p:spPr>
+          <a:xfrm>
+            <a:off x="516835" y="1690688"/>
+            <a:ext cx="4684643" cy="4810539"/>
+          </a:xfrm>
+          <a:prstGeom prst="rect">
+            <a:avLst/>
+          </a:prstGeom>
+          <a:solidFill>
+            <a:srgbClr val="A9C0D5"/>
+          </a:solidFill>
+          <a:ln>
+            <a:noFill/>
+          </a:ln>
+        </p:spPr>
+        <p:style>
+          <a:lnRef idx="2">
+            <a:schemeClr val="accent1">
+              <a:shade val="15000"/>
+            </a:schemeClr>
+          </a:lnRef>
+          <a:fillRef idx="1">
+            <a:schemeClr val="accent1"/>
+          </a:fillRef>
+          <a:effectRef idx="0">
+            <a:schemeClr val="accent1"/>
+          </a:effectRef>
+          <a:fontRef idx="minor">
+            <a:schemeClr val="lt1"/>
+          </a:fontRef>
+        </p:style>
+        <p:txBody>
+          <a:bodyPr rtlCol="0" anchor="ctr"/>
+          <a:lstStyle/>
+          <a:p>
+            <a:pPr algn="ctr"/>
+            <a:endParaRPr lang="en-GB"/>
+          </a:p>
+        </p:txBody>
+      </p:sp>
+      <p:sp>
+        <p:nvSpPr>
+          <p:cNvPr id="7" name="Rectangle 6">
+            <a:extLst>
+              <a:ext uri="{FF2B5EF4-FFF2-40B4-BE49-F238E27FC236}">
+                <a16:creationId xmlns:a16="http://schemas.microsoft.com/office/drawing/2014/main" id="{03BCC742-AECD-7063-63B5-239074F90123}"/>
+              </a:ext>
+            </a:extLst>
+          </p:cNvPr>
+          <p:cNvSpPr/>
+          <p:nvPr/>
+        </p:nvSpPr>
+        <p:spPr>
+          <a:xfrm>
+            <a:off x="6937513" y="1682336"/>
+            <a:ext cx="4684643" cy="4810539"/>
+          </a:xfrm>
+          <a:prstGeom prst="rect">
+            <a:avLst/>
+          </a:prstGeom>
+          <a:solidFill>
+            <a:srgbClr val="8794B5"/>
+          </a:solidFill>
+          <a:ln>
+            <a:noFill/>
+          </a:ln>
+        </p:spPr>
+        <p:style>
+          <a:lnRef idx="2">
+            <a:schemeClr val="accent1">
+              <a:shade val="15000"/>
+            </a:schemeClr>
+          </a:lnRef>
+          <a:fillRef idx="1">
+            <a:schemeClr val="accent1"/>
+          </a:fillRef>
+          <a:effectRef idx="0">
+            <a:schemeClr val="accent1"/>
+          </a:effectRef>
+          <a:fontRef idx="minor">
+            <a:schemeClr val="lt1"/>
+          </a:fontRef>
+        </p:style>
+        <p:txBody>
+          <a:bodyPr rtlCol="0" anchor="ctr"/>
+          <a:lstStyle/>
+          <a:p>
+            <a:pPr algn="ctr"/>
+            <a:endParaRPr lang="en-GB"/>
+          </a:p>
+        </p:txBody>
+      </p:sp>
+      <p:sp>
+        <p:nvSpPr>
+          <p:cNvPr id="8" name="TextBox 7">
+            <a:extLst>
+              <a:ext uri="{FF2B5EF4-FFF2-40B4-BE49-F238E27FC236}">
+                <a16:creationId xmlns:a16="http://schemas.microsoft.com/office/drawing/2014/main" id="{CDB6A41F-18E0-50E1-4478-F5EC0E1E792F}"/>
+              </a:ext>
+            </a:extLst>
+          </p:cNvPr>
+          <p:cNvSpPr txBox="1"/>
+          <p:nvPr/>
+        </p:nvSpPr>
+        <p:spPr>
+          <a:xfrm>
+            <a:off x="1530626" y="1762539"/>
+            <a:ext cx="2657061" cy="369332"/>
+          </a:xfrm>
+          <a:prstGeom prst="rect">
+            <a:avLst/>
+          </a:prstGeom>
+          <a:noFill/>
+        </p:spPr>
+        <p:txBody>
+          <a:bodyPr wrap="square" rtlCol="0">
+            <a:spAutoFit/>
+          </a:bodyPr>
           <a:lstStyle/>
           <a:p>
             <a:r>
               <a:rPr lang="en-GB" dirty="0"/>
-              <a:t>Flow chart of files in a path, with the heading like “Heatmap pipeline”</a:t>
+              <a:t>Local Machine / R studio</a:t>
+            </a:r>
+          </a:p>
+        </p:txBody>
+      </p:sp>
+      <p:sp>
+        <p:nvSpPr>
+          <p:cNvPr id="10" name="TextBox 9">
+            <a:extLst>
+              <a:ext uri="{FF2B5EF4-FFF2-40B4-BE49-F238E27FC236}">
+                <a16:creationId xmlns:a16="http://schemas.microsoft.com/office/drawing/2014/main" id="{1E6B3B9C-DEC9-7503-BF3C-513CFCE35344}"/>
+              </a:ext>
+            </a:extLst>
+          </p:cNvPr>
+          <p:cNvSpPr txBox="1"/>
+          <p:nvPr/>
+        </p:nvSpPr>
+        <p:spPr>
+          <a:xfrm>
+            <a:off x="8640416" y="1762539"/>
+            <a:ext cx="1278836" cy="369332"/>
+          </a:xfrm>
+          <a:prstGeom prst="rect">
+            <a:avLst/>
+          </a:prstGeom>
+          <a:noFill/>
+        </p:spPr>
+        <p:txBody>
+          <a:bodyPr wrap="square" rtlCol="0">
+            <a:spAutoFit/>
+          </a:bodyPr>
+          <a:lstStyle/>
+          <a:p>
+            <a:r>
+              <a:rPr lang="en-GB" dirty="0"/>
+              <a:t>SCW hawk</a:t>
+            </a:r>
+          </a:p>
+        </p:txBody>
+      </p:sp>
+      <p:sp>
+        <p:nvSpPr>
+          <p:cNvPr id="11" name="Rectangle: Rounded Corners 10">
+            <a:extLst>
+              <a:ext uri="{FF2B5EF4-FFF2-40B4-BE49-F238E27FC236}">
+                <a16:creationId xmlns:a16="http://schemas.microsoft.com/office/drawing/2014/main" id="{8EC8AA32-B379-0FBF-F9AB-3D36052EBE0C}"/>
+              </a:ext>
+            </a:extLst>
+          </p:cNvPr>
+          <p:cNvSpPr/>
+          <p:nvPr/>
+        </p:nvSpPr>
+        <p:spPr>
+          <a:xfrm>
+            <a:off x="5983358" y="221352"/>
+            <a:ext cx="821634" cy="287545"/>
+          </a:xfrm>
+          <a:prstGeom prst="roundRect">
+            <a:avLst/>
+          </a:prstGeom>
+        </p:spPr>
+        <p:style>
+          <a:lnRef idx="2">
+            <a:schemeClr val="accent1">
+              <a:shade val="15000"/>
+            </a:schemeClr>
+          </a:lnRef>
+          <a:fillRef idx="1">
+            <a:schemeClr val="accent1"/>
+          </a:fillRef>
+          <a:effectRef idx="0">
+            <a:schemeClr val="accent1"/>
+          </a:effectRef>
+          <a:fontRef idx="minor">
+            <a:schemeClr val="lt1"/>
+          </a:fontRef>
+        </p:style>
+        <p:txBody>
+          <a:bodyPr rtlCol="0" anchor="ctr"/>
+          <a:lstStyle/>
+          <a:p>
+            <a:pPr algn="ctr"/>
+            <a:r>
+              <a:rPr lang="en-GB" sz="1200" dirty="0"/>
+              <a:t>Script</a:t>
+            </a:r>
+          </a:p>
+        </p:txBody>
+      </p:sp>
+      <p:sp>
+        <p:nvSpPr>
+          <p:cNvPr id="13" name="Oval 12">
+            <a:extLst>
+              <a:ext uri="{FF2B5EF4-FFF2-40B4-BE49-F238E27FC236}">
+                <a16:creationId xmlns:a16="http://schemas.microsoft.com/office/drawing/2014/main" id="{9C2AC9B2-7111-DBF8-3217-1CC4303D3066}"/>
+              </a:ext>
+            </a:extLst>
+          </p:cNvPr>
+          <p:cNvSpPr/>
+          <p:nvPr/>
+        </p:nvSpPr>
+        <p:spPr>
+          <a:xfrm>
+            <a:off x="8875643" y="221352"/>
+            <a:ext cx="1013792" cy="321987"/>
+          </a:xfrm>
+          <a:prstGeom prst="ellipse">
+            <a:avLst/>
+          </a:prstGeom>
+        </p:spPr>
+        <p:style>
+          <a:lnRef idx="2">
+            <a:schemeClr val="accent1">
+              <a:shade val="15000"/>
+            </a:schemeClr>
+          </a:lnRef>
+          <a:fillRef idx="1">
+            <a:schemeClr val="accent1"/>
+          </a:fillRef>
+          <a:effectRef idx="0">
+            <a:schemeClr val="accent1"/>
+          </a:effectRef>
+          <a:fontRef idx="minor">
+            <a:schemeClr val="lt1"/>
+          </a:fontRef>
+        </p:style>
+        <p:txBody>
+          <a:bodyPr rtlCol="0" anchor="ctr"/>
+          <a:lstStyle/>
+          <a:p>
+            <a:pPr algn="ctr"/>
+            <a:r>
+              <a:rPr lang="en-GB" sz="1200" dirty="0"/>
+              <a:t>process</a:t>
+            </a:r>
+          </a:p>
+        </p:txBody>
+      </p:sp>
+      <p:sp>
+        <p:nvSpPr>
+          <p:cNvPr id="14" name="Rectangle: Rounded Corners 13">
+            <a:extLst>
+              <a:ext uri="{FF2B5EF4-FFF2-40B4-BE49-F238E27FC236}">
+                <a16:creationId xmlns:a16="http://schemas.microsoft.com/office/drawing/2014/main" id="{9D146DE8-AE5E-5DE1-7033-A457849C35FE}"/>
+              </a:ext>
+            </a:extLst>
+          </p:cNvPr>
+          <p:cNvSpPr/>
+          <p:nvPr/>
+        </p:nvSpPr>
+        <p:spPr>
+          <a:xfrm>
+            <a:off x="3296882" y="2268812"/>
+            <a:ext cx="1638583" cy="448229"/>
+          </a:xfrm>
+          <a:prstGeom prst="roundRect">
+            <a:avLst/>
+          </a:prstGeom>
+        </p:spPr>
+        <p:style>
+          <a:lnRef idx="2">
+            <a:schemeClr val="accent1">
+              <a:shade val="15000"/>
+            </a:schemeClr>
+          </a:lnRef>
+          <a:fillRef idx="1">
+            <a:schemeClr val="accent1"/>
+          </a:fillRef>
+          <a:effectRef idx="0">
+            <a:schemeClr val="accent1"/>
+          </a:effectRef>
+          <a:fontRef idx="minor">
+            <a:schemeClr val="lt1"/>
+          </a:fontRef>
+        </p:style>
+        <p:txBody>
+          <a:bodyPr rtlCol="0" anchor="ctr"/>
+          <a:lstStyle/>
+          <a:p>
+            <a:pPr algn="ctr"/>
+            <a:r>
+              <a:rPr lang="en-GB" sz="1200" dirty="0" err="1"/>
+              <a:t>NCBIfastacollector.R</a:t>
+            </a:r>
+            <a:endParaRPr lang="en-GB" sz="1200" dirty="0"/>
+          </a:p>
+        </p:txBody>
+      </p:sp>
+      <p:sp>
+        <p:nvSpPr>
+          <p:cNvPr id="15" name="Rectangle 14">
+            <a:extLst>
+              <a:ext uri="{FF2B5EF4-FFF2-40B4-BE49-F238E27FC236}">
+                <a16:creationId xmlns:a16="http://schemas.microsoft.com/office/drawing/2014/main" id="{C56DC169-231F-54C5-9EA6-3E29792977E0}"/>
+              </a:ext>
+            </a:extLst>
+          </p:cNvPr>
+          <p:cNvSpPr/>
+          <p:nvPr/>
+        </p:nvSpPr>
+        <p:spPr>
+          <a:xfrm>
+            <a:off x="5201478" y="955985"/>
+            <a:ext cx="1736035" cy="481876"/>
+          </a:xfrm>
+          <a:prstGeom prst="rect">
+            <a:avLst/>
+          </a:prstGeom>
+          <a:solidFill>
+            <a:schemeClr val="accent3">
+              <a:lumMod val="40000"/>
+              <a:lumOff val="60000"/>
+            </a:schemeClr>
+          </a:solidFill>
+          <a:ln>
+            <a:noFill/>
+          </a:ln>
+        </p:spPr>
+        <p:style>
+          <a:lnRef idx="2">
+            <a:schemeClr val="accent1">
+              <a:shade val="15000"/>
+            </a:schemeClr>
+          </a:lnRef>
+          <a:fillRef idx="1">
+            <a:schemeClr val="accent1"/>
+          </a:fillRef>
+          <a:effectRef idx="0">
+            <a:schemeClr val="accent1"/>
+          </a:effectRef>
+          <a:fontRef idx="minor">
+            <a:schemeClr val="lt1"/>
+          </a:fontRef>
+        </p:style>
+        <p:txBody>
+          <a:bodyPr rtlCol="0" anchor="ctr"/>
+          <a:lstStyle/>
+          <a:p>
+            <a:pPr algn="ctr"/>
+            <a:endParaRPr lang="en-GB"/>
+          </a:p>
+        </p:txBody>
+      </p:sp>
+      <p:sp>
+        <p:nvSpPr>
+          <p:cNvPr id="16" name="TextBox 15">
+            <a:extLst>
+              <a:ext uri="{FF2B5EF4-FFF2-40B4-BE49-F238E27FC236}">
+                <a16:creationId xmlns:a16="http://schemas.microsoft.com/office/drawing/2014/main" id="{C3654DB7-46A7-85D4-4717-EBB93CECE9AE}"/>
+              </a:ext>
+            </a:extLst>
+          </p:cNvPr>
+          <p:cNvSpPr txBox="1"/>
+          <p:nvPr/>
+        </p:nvSpPr>
+        <p:spPr>
+          <a:xfrm>
+            <a:off x="5267738" y="1001925"/>
+            <a:ext cx="1603514" cy="369332"/>
+          </a:xfrm>
+          <a:prstGeom prst="rect">
+            <a:avLst/>
+          </a:prstGeom>
+          <a:noFill/>
+        </p:spPr>
+        <p:txBody>
+          <a:bodyPr wrap="square" rtlCol="0">
+            <a:spAutoFit/>
+          </a:bodyPr>
+          <a:lstStyle/>
+          <a:p>
+            <a:r>
+              <a:rPr lang="en-GB" dirty="0"/>
+              <a:t>NCBI website</a:t>
+            </a:r>
+          </a:p>
+        </p:txBody>
+      </p:sp>
+      <p:cxnSp>
+        <p:nvCxnSpPr>
+          <p:cNvPr id="18" name="Straight Arrow Connector 17">
+            <a:extLst>
+              <a:ext uri="{FF2B5EF4-FFF2-40B4-BE49-F238E27FC236}">
+                <a16:creationId xmlns:a16="http://schemas.microsoft.com/office/drawing/2014/main" id="{5C65B3D7-AA18-7285-933C-4AB1AB47BCF7}"/>
+              </a:ext>
+            </a:extLst>
+          </p:cNvPr>
+          <p:cNvCxnSpPr>
+            <a:stCxn id="14" idx="0"/>
+            <a:endCxn id="16" idx="2"/>
+          </p:cNvCxnSpPr>
+          <p:nvPr/>
+        </p:nvCxnSpPr>
+        <p:spPr>
+          <a:xfrm flipV="1">
+            <a:off x="4116174" y="1371257"/>
+            <a:ext cx="1953321" cy="897555"/>
+          </a:xfrm>
+          <a:prstGeom prst="straightConnector1">
+            <a:avLst/>
+          </a:prstGeom>
+          <a:ln>
+            <a:tailEnd type="triangle"/>
+          </a:ln>
+        </p:spPr>
+        <p:style>
+          <a:lnRef idx="2">
+            <a:schemeClr val="dk1"/>
+          </a:lnRef>
+          <a:fillRef idx="0">
+            <a:schemeClr val="dk1"/>
+          </a:fillRef>
+          <a:effectRef idx="1">
+            <a:schemeClr val="dk1"/>
+          </a:effectRef>
+          <a:fontRef idx="minor">
+            <a:schemeClr val="tx1"/>
+          </a:fontRef>
+        </p:style>
+      </p:cxnSp>
+      <p:sp>
+        <p:nvSpPr>
+          <p:cNvPr id="19" name="Oval 18">
+            <a:extLst>
+              <a:ext uri="{FF2B5EF4-FFF2-40B4-BE49-F238E27FC236}">
+                <a16:creationId xmlns:a16="http://schemas.microsoft.com/office/drawing/2014/main" id="{4D2137F1-8D39-53D3-2CE5-DFAA90B9C924}"/>
+              </a:ext>
+            </a:extLst>
+          </p:cNvPr>
+          <p:cNvSpPr/>
+          <p:nvPr/>
+        </p:nvSpPr>
+        <p:spPr>
+          <a:xfrm>
+            <a:off x="4548807" y="1330773"/>
+            <a:ext cx="1013792" cy="321987"/>
+          </a:xfrm>
+          <a:prstGeom prst="ellipse">
+            <a:avLst/>
+          </a:prstGeom>
+        </p:spPr>
+        <p:style>
+          <a:lnRef idx="2">
+            <a:schemeClr val="accent1">
+              <a:shade val="15000"/>
+            </a:schemeClr>
+          </a:lnRef>
+          <a:fillRef idx="1">
+            <a:schemeClr val="accent1"/>
+          </a:fillRef>
+          <a:effectRef idx="0">
+            <a:schemeClr val="accent1"/>
+          </a:effectRef>
+          <a:fontRef idx="minor">
+            <a:schemeClr val="lt1"/>
+          </a:fontRef>
+        </p:style>
+        <p:txBody>
+          <a:bodyPr rtlCol="0" anchor="ctr"/>
+          <a:lstStyle/>
+          <a:p>
+            <a:pPr algn="ctr"/>
+            <a:r>
+              <a:rPr lang="en-GB" sz="1200" dirty="0"/>
+              <a:t>API call</a:t>
+            </a:r>
+          </a:p>
+        </p:txBody>
+      </p:sp>
+      <p:sp>
+        <p:nvSpPr>
+          <p:cNvPr id="20" name="Rectangle: Rounded Corners 19">
+            <a:extLst>
+              <a:ext uri="{FF2B5EF4-FFF2-40B4-BE49-F238E27FC236}">
+                <a16:creationId xmlns:a16="http://schemas.microsoft.com/office/drawing/2014/main" id="{F4A30C5F-B03C-911E-3B9E-05D5343ABE68}"/>
+              </a:ext>
+            </a:extLst>
+          </p:cNvPr>
+          <p:cNvSpPr/>
+          <p:nvPr/>
+        </p:nvSpPr>
+        <p:spPr>
+          <a:xfrm>
+            <a:off x="784625" y="2268812"/>
+            <a:ext cx="1219483" cy="448229"/>
+          </a:xfrm>
+          <a:prstGeom prst="roundRect">
+            <a:avLst/>
+          </a:prstGeom>
+        </p:spPr>
+        <p:style>
+          <a:lnRef idx="2">
+            <a:schemeClr val="accent1">
+              <a:shade val="15000"/>
+            </a:schemeClr>
+          </a:lnRef>
+          <a:fillRef idx="1">
+            <a:schemeClr val="accent1"/>
+          </a:fillRef>
+          <a:effectRef idx="0">
+            <a:schemeClr val="accent1"/>
+          </a:effectRef>
+          <a:fontRef idx="minor">
+            <a:schemeClr val="lt1"/>
+          </a:fontRef>
+        </p:style>
+        <p:txBody>
+          <a:bodyPr rtlCol="0" anchor="ctr"/>
+          <a:lstStyle/>
+          <a:p>
+            <a:pPr algn="ctr"/>
+            <a:r>
+              <a:rPr lang="en-GB" sz="1200" dirty="0" err="1"/>
+              <a:t>NCBImetadatacollector.R</a:t>
+            </a:r>
+            <a:endParaRPr lang="en-GB" sz="1200" dirty="0"/>
+          </a:p>
+        </p:txBody>
+      </p:sp>
+      <p:cxnSp>
+        <p:nvCxnSpPr>
+          <p:cNvPr id="22" name="Connector: Curved 21">
+            <a:extLst>
+              <a:ext uri="{FF2B5EF4-FFF2-40B4-BE49-F238E27FC236}">
+                <a16:creationId xmlns:a16="http://schemas.microsoft.com/office/drawing/2014/main" id="{8BAF633B-2EBD-7B08-A247-3E33B5CF50B8}"/>
+              </a:ext>
+            </a:extLst>
+          </p:cNvPr>
+          <p:cNvCxnSpPr>
+            <a:cxnSpLocks/>
+            <a:endCxn id="15" idx="1"/>
+          </p:cNvCxnSpPr>
+          <p:nvPr/>
+        </p:nvCxnSpPr>
+        <p:spPr>
+          <a:xfrm flipV="1">
+            <a:off x="1530626" y="1196923"/>
+            <a:ext cx="3670852" cy="1142086"/>
+          </a:xfrm>
+          <a:prstGeom prst="curvedConnector3">
+            <a:avLst>
+              <a:gd name="adj1" fmla="val 181"/>
+            </a:avLst>
+          </a:prstGeom>
+          <a:ln>
+            <a:tailEnd type="triangle"/>
+          </a:ln>
+        </p:spPr>
+        <p:style>
+          <a:lnRef idx="2">
+            <a:schemeClr val="dk1"/>
+          </a:lnRef>
+          <a:fillRef idx="0">
+            <a:schemeClr val="dk1"/>
+          </a:fillRef>
+          <a:effectRef idx="1">
+            <a:schemeClr val="dk1"/>
+          </a:effectRef>
+          <a:fontRef idx="minor">
+            <a:schemeClr val="tx1"/>
+          </a:fontRef>
+        </p:style>
+      </p:cxnSp>
+      <p:cxnSp>
+        <p:nvCxnSpPr>
+          <p:cNvPr id="37" name="Straight Arrow Connector 36">
+            <a:extLst>
+              <a:ext uri="{FF2B5EF4-FFF2-40B4-BE49-F238E27FC236}">
+                <a16:creationId xmlns:a16="http://schemas.microsoft.com/office/drawing/2014/main" id="{AB6EAD19-8F61-DC44-3934-753FDF64EB2F}"/>
+              </a:ext>
+            </a:extLst>
+          </p:cNvPr>
+          <p:cNvCxnSpPr>
+            <a:cxnSpLocks/>
+            <a:stCxn id="14" idx="2"/>
+            <a:endCxn id="54" idx="3"/>
+          </p:cNvCxnSpPr>
+          <p:nvPr/>
+        </p:nvCxnSpPr>
+        <p:spPr>
+          <a:xfrm>
+            <a:off x="4116174" y="2717041"/>
+            <a:ext cx="37130" cy="237772"/>
+          </a:xfrm>
+          <a:prstGeom prst="straightConnector1">
+            <a:avLst/>
+          </a:prstGeom>
+          <a:ln>
+            <a:tailEnd type="triangle"/>
+          </a:ln>
+        </p:spPr>
+        <p:style>
+          <a:lnRef idx="2">
+            <a:schemeClr val="dk1"/>
+          </a:lnRef>
+          <a:fillRef idx="0">
+            <a:schemeClr val="dk1"/>
+          </a:fillRef>
+          <a:effectRef idx="1">
+            <a:schemeClr val="dk1"/>
+          </a:effectRef>
+          <a:fontRef idx="minor">
+            <a:schemeClr val="tx1"/>
+          </a:fontRef>
+        </p:style>
+      </p:cxnSp>
+      <p:cxnSp>
+        <p:nvCxnSpPr>
+          <p:cNvPr id="40" name="Straight Arrow Connector 39">
+            <a:extLst>
+              <a:ext uri="{FF2B5EF4-FFF2-40B4-BE49-F238E27FC236}">
+                <a16:creationId xmlns:a16="http://schemas.microsoft.com/office/drawing/2014/main" id="{BD43678E-B5A5-0F3D-DAA9-1DF084F8990B}"/>
+              </a:ext>
+            </a:extLst>
+          </p:cNvPr>
+          <p:cNvCxnSpPr>
+            <a:cxnSpLocks/>
+            <a:stCxn id="20" idx="2"/>
+            <a:endCxn id="55" idx="3"/>
+          </p:cNvCxnSpPr>
+          <p:nvPr/>
+        </p:nvCxnSpPr>
+        <p:spPr>
+          <a:xfrm>
+            <a:off x="1394367" y="2717041"/>
+            <a:ext cx="209550" cy="319431"/>
+          </a:xfrm>
+          <a:prstGeom prst="straightConnector1">
+            <a:avLst/>
+          </a:prstGeom>
+          <a:ln>
+            <a:tailEnd type="triangle"/>
+          </a:ln>
+        </p:spPr>
+        <p:style>
+          <a:lnRef idx="2">
+            <a:schemeClr val="dk1"/>
+          </a:lnRef>
+          <a:fillRef idx="0">
+            <a:schemeClr val="dk1"/>
+          </a:fillRef>
+          <a:effectRef idx="1">
+            <a:schemeClr val="dk1"/>
+          </a:effectRef>
+          <a:fontRef idx="minor">
+            <a:schemeClr val="tx1"/>
+          </a:fontRef>
+        </p:style>
+      </p:cxnSp>
+      <p:cxnSp>
+        <p:nvCxnSpPr>
+          <p:cNvPr id="43" name="Straight Arrow Connector 42">
+            <a:extLst>
+              <a:ext uri="{FF2B5EF4-FFF2-40B4-BE49-F238E27FC236}">
+                <a16:creationId xmlns:a16="http://schemas.microsoft.com/office/drawing/2014/main" id="{401752BC-F34C-283C-B276-EA669C3C1521}"/>
+              </a:ext>
+            </a:extLst>
+          </p:cNvPr>
+          <p:cNvCxnSpPr>
+            <a:cxnSpLocks/>
+            <a:stCxn id="54" idx="0"/>
+            <a:endCxn id="48" idx="2"/>
+          </p:cNvCxnSpPr>
+          <p:nvPr/>
+        </p:nvCxnSpPr>
+        <p:spPr>
+          <a:xfrm flipV="1">
+            <a:off x="5009725" y="2708341"/>
+            <a:ext cx="2424745" cy="409243"/>
+          </a:xfrm>
+          <a:prstGeom prst="straightConnector1">
+            <a:avLst/>
+          </a:prstGeom>
+          <a:ln>
+            <a:tailEnd type="triangle"/>
+          </a:ln>
+        </p:spPr>
+        <p:style>
+          <a:lnRef idx="2">
+            <a:schemeClr val="dk1"/>
+          </a:lnRef>
+          <a:fillRef idx="0">
+            <a:schemeClr val="dk1"/>
+          </a:fillRef>
+          <a:effectRef idx="1">
+            <a:schemeClr val="dk1"/>
+          </a:effectRef>
+          <a:fontRef idx="minor">
+            <a:schemeClr val="tx1"/>
+          </a:fontRef>
+        </p:style>
+      </p:cxnSp>
+      <p:sp>
+        <p:nvSpPr>
+          <p:cNvPr id="47" name="Rectangle: Single Corner Snipped 46">
+            <a:extLst>
+              <a:ext uri="{FF2B5EF4-FFF2-40B4-BE49-F238E27FC236}">
+                <a16:creationId xmlns:a16="http://schemas.microsoft.com/office/drawing/2014/main" id="{A609588E-FAB6-6764-0C1D-1374CE437CA7}"/>
+              </a:ext>
+            </a:extLst>
+          </p:cNvPr>
+          <p:cNvSpPr/>
+          <p:nvPr/>
+        </p:nvSpPr>
+        <p:spPr>
+          <a:xfrm>
+            <a:off x="7328453" y="221352"/>
+            <a:ext cx="993915" cy="287545"/>
+          </a:xfrm>
+          <a:prstGeom prst="snip1Rect">
+            <a:avLst>
+              <a:gd name="adj" fmla="val 50000"/>
+            </a:avLst>
+          </a:prstGeom>
+        </p:spPr>
+        <p:style>
+          <a:lnRef idx="2">
+            <a:schemeClr val="accent1">
+              <a:shade val="15000"/>
+            </a:schemeClr>
+          </a:lnRef>
+          <a:fillRef idx="1">
+            <a:schemeClr val="accent1"/>
+          </a:fillRef>
+          <a:effectRef idx="0">
+            <a:schemeClr val="accent1"/>
+          </a:effectRef>
+          <a:fontRef idx="minor">
+            <a:schemeClr val="lt1"/>
+          </a:fontRef>
+        </p:style>
+        <p:txBody>
+          <a:bodyPr rtlCol="0" anchor="ctr"/>
+          <a:lstStyle/>
+          <a:p>
+            <a:pPr algn="ctr"/>
+            <a:r>
+              <a:rPr lang="en-GB" sz="1200" dirty="0"/>
+              <a:t>folder</a:t>
+            </a:r>
+          </a:p>
+        </p:txBody>
+      </p:sp>
+      <p:sp>
+        <p:nvSpPr>
+          <p:cNvPr id="48" name="Rectangle: Single Corner Snipped 47">
+            <a:extLst>
+              <a:ext uri="{FF2B5EF4-FFF2-40B4-BE49-F238E27FC236}">
+                <a16:creationId xmlns:a16="http://schemas.microsoft.com/office/drawing/2014/main" id="{1EDAF130-C9BE-9ADF-84A0-6DBA80FD7136}"/>
+              </a:ext>
+            </a:extLst>
+          </p:cNvPr>
+          <p:cNvSpPr/>
+          <p:nvPr/>
+        </p:nvSpPr>
+        <p:spPr>
+          <a:xfrm>
+            <a:off x="7434470" y="2564568"/>
+            <a:ext cx="993915" cy="287545"/>
+          </a:xfrm>
+          <a:prstGeom prst="snip1Rect">
+            <a:avLst>
+              <a:gd name="adj" fmla="val 50000"/>
+            </a:avLst>
+          </a:prstGeom>
+        </p:spPr>
+        <p:style>
+          <a:lnRef idx="2">
+            <a:schemeClr val="accent1">
+              <a:shade val="15000"/>
+            </a:schemeClr>
+          </a:lnRef>
+          <a:fillRef idx="1">
+            <a:schemeClr val="accent1"/>
+          </a:fillRef>
+          <a:effectRef idx="0">
+            <a:schemeClr val="accent1"/>
+          </a:effectRef>
+          <a:fontRef idx="minor">
+            <a:schemeClr val="lt1"/>
+          </a:fontRef>
+        </p:style>
+        <p:txBody>
+          <a:bodyPr rtlCol="0" anchor="ctr"/>
+          <a:lstStyle/>
+          <a:p>
+            <a:pPr algn="ctr"/>
+            <a:r>
+              <a:rPr lang="en-GB" sz="1200" dirty="0" err="1"/>
+              <a:t>Fasta_files</a:t>
+            </a:r>
+            <a:endParaRPr lang="en-GB" sz="1200" dirty="0"/>
+          </a:p>
+        </p:txBody>
+      </p:sp>
+      <p:sp>
+        <p:nvSpPr>
+          <p:cNvPr id="54" name="Rectangle: Single Corner Snipped 53">
+            <a:extLst>
+              <a:ext uri="{FF2B5EF4-FFF2-40B4-BE49-F238E27FC236}">
+                <a16:creationId xmlns:a16="http://schemas.microsoft.com/office/drawing/2014/main" id="{5551D5BF-CC91-069F-3C3F-187FB17A888A}"/>
+              </a:ext>
+            </a:extLst>
+          </p:cNvPr>
+          <p:cNvSpPr/>
+          <p:nvPr/>
+        </p:nvSpPr>
+        <p:spPr>
+          <a:xfrm>
+            <a:off x="3296882" y="2954813"/>
+            <a:ext cx="1712843" cy="325541"/>
+          </a:xfrm>
+          <a:prstGeom prst="snip1Rect">
+            <a:avLst>
+              <a:gd name="adj" fmla="val 50000"/>
+            </a:avLst>
+          </a:prstGeom>
+        </p:spPr>
+        <p:style>
+          <a:lnRef idx="2">
+            <a:schemeClr val="accent1">
+              <a:shade val="15000"/>
+            </a:schemeClr>
+          </a:lnRef>
+          <a:fillRef idx="1">
+            <a:schemeClr val="accent1"/>
+          </a:fillRef>
+          <a:effectRef idx="0">
+            <a:schemeClr val="accent1"/>
+          </a:effectRef>
+          <a:fontRef idx="minor">
+            <a:schemeClr val="lt1"/>
+          </a:fontRef>
+        </p:style>
+        <p:txBody>
+          <a:bodyPr rtlCol="0" anchor="ctr"/>
+          <a:lstStyle/>
+          <a:p>
+            <a:pPr algn="ctr"/>
+            <a:r>
+              <a:rPr lang="en-GB" sz="1200" dirty="0"/>
+              <a:t>02…/</a:t>
+            </a:r>
+            <a:r>
+              <a:rPr lang="en-GB" sz="1200" dirty="0" err="1"/>
+              <a:t>ncbi_stuff</a:t>
+            </a:r>
+            <a:r>
+              <a:rPr lang="en-GB" sz="1200" dirty="0"/>
+              <a:t>/</a:t>
+            </a:r>
+            <a:r>
+              <a:rPr lang="en-GB" sz="1200" dirty="0" err="1"/>
+              <a:t>fasta</a:t>
+            </a:r>
+            <a:endParaRPr lang="en-GB" sz="1200" dirty="0"/>
+          </a:p>
+        </p:txBody>
+      </p:sp>
+      <p:sp>
+        <p:nvSpPr>
+          <p:cNvPr id="55" name="Rectangle: Single Corner Snipped 54">
+            <a:extLst>
+              <a:ext uri="{FF2B5EF4-FFF2-40B4-BE49-F238E27FC236}">
+                <a16:creationId xmlns:a16="http://schemas.microsoft.com/office/drawing/2014/main" id="{944D7D9D-2ED9-AD04-27BA-D0E7B4C571EC}"/>
+              </a:ext>
+            </a:extLst>
+          </p:cNvPr>
+          <p:cNvSpPr/>
+          <p:nvPr/>
+        </p:nvSpPr>
+        <p:spPr>
+          <a:xfrm>
+            <a:off x="784625" y="3036472"/>
+            <a:ext cx="1638583" cy="325541"/>
+          </a:xfrm>
+          <a:prstGeom prst="snip1Rect">
+            <a:avLst>
+              <a:gd name="adj" fmla="val 50000"/>
+            </a:avLst>
+          </a:prstGeom>
+        </p:spPr>
+        <p:style>
+          <a:lnRef idx="2">
+            <a:schemeClr val="accent1">
+              <a:shade val="15000"/>
+            </a:schemeClr>
+          </a:lnRef>
+          <a:fillRef idx="1">
+            <a:schemeClr val="accent1"/>
+          </a:fillRef>
+          <a:effectRef idx="0">
+            <a:schemeClr val="accent1"/>
+          </a:effectRef>
+          <a:fontRef idx="minor">
+            <a:schemeClr val="lt1"/>
+          </a:fontRef>
+        </p:style>
+        <p:txBody>
+          <a:bodyPr rtlCol="0" anchor="ctr"/>
+          <a:lstStyle/>
+          <a:p>
+            <a:pPr algn="ctr"/>
+            <a:r>
+              <a:rPr lang="en-GB" sz="1200" dirty="0"/>
+              <a:t>02…/</a:t>
+            </a:r>
+            <a:r>
+              <a:rPr lang="en-GB" sz="1200" dirty="0" err="1"/>
+              <a:t>ncbi_stuff</a:t>
+            </a:r>
+            <a:r>
+              <a:rPr lang="en-GB" sz="1200" dirty="0"/>
+              <a:t>/</a:t>
+            </a:r>
+            <a:r>
+              <a:rPr lang="en-GB" sz="1200" dirty="0" err="1"/>
+              <a:t>json</a:t>
+            </a:r>
+            <a:endParaRPr lang="en-GB" sz="1200" dirty="0"/>
+          </a:p>
+          <a:p>
+            <a:pPr algn="ctr"/>
+            <a:endParaRPr lang="en-GB" sz="1200" dirty="0"/>
+          </a:p>
+        </p:txBody>
+      </p:sp>
+      <p:sp>
+        <p:nvSpPr>
+          <p:cNvPr id="59" name="Oval 58">
+            <a:extLst>
+              <a:ext uri="{FF2B5EF4-FFF2-40B4-BE49-F238E27FC236}">
+                <a16:creationId xmlns:a16="http://schemas.microsoft.com/office/drawing/2014/main" id="{E7656D78-8175-6131-E730-C8B34D26471F}"/>
+              </a:ext>
+            </a:extLst>
+          </p:cNvPr>
+          <p:cNvSpPr/>
+          <p:nvPr/>
+        </p:nvSpPr>
+        <p:spPr>
+          <a:xfrm>
+            <a:off x="8980004" y="2492926"/>
+            <a:ext cx="1096618" cy="481703"/>
+          </a:xfrm>
+          <a:prstGeom prst="ellipse">
+            <a:avLst/>
+          </a:prstGeom>
+        </p:spPr>
+        <p:style>
+          <a:lnRef idx="2">
+            <a:schemeClr val="accent1">
+              <a:shade val="15000"/>
+            </a:schemeClr>
+          </a:lnRef>
+          <a:fillRef idx="1">
+            <a:schemeClr val="accent1"/>
+          </a:fillRef>
+          <a:effectRef idx="0">
+            <a:schemeClr val="accent1"/>
+          </a:effectRef>
+          <a:fontRef idx="minor">
+            <a:schemeClr val="lt1"/>
+          </a:fontRef>
+        </p:style>
+        <p:txBody>
+          <a:bodyPr rtlCol="0" anchor="ctr"/>
+          <a:lstStyle/>
+          <a:p>
+            <a:pPr algn="ctr"/>
+            <a:r>
+              <a:rPr lang="en-GB" sz="1200" dirty="0"/>
+              <a:t>Eggnog V2.1.12</a:t>
+            </a:r>
+          </a:p>
+        </p:txBody>
+      </p:sp>
+      <p:cxnSp>
+        <p:nvCxnSpPr>
+          <p:cNvPr id="60" name="Straight Arrow Connector 59">
+            <a:extLst>
+              <a:ext uri="{FF2B5EF4-FFF2-40B4-BE49-F238E27FC236}">
+                <a16:creationId xmlns:a16="http://schemas.microsoft.com/office/drawing/2014/main" id="{DAC2CE1E-DED4-843F-EEF5-29A9CE0806CE}"/>
+              </a:ext>
+            </a:extLst>
+          </p:cNvPr>
+          <p:cNvCxnSpPr>
+            <a:cxnSpLocks/>
+            <a:stCxn id="48" idx="0"/>
+            <a:endCxn id="59" idx="2"/>
+          </p:cNvCxnSpPr>
+          <p:nvPr/>
+        </p:nvCxnSpPr>
+        <p:spPr>
+          <a:xfrm>
+            <a:off x="8428385" y="2708341"/>
+            <a:ext cx="551619" cy="25437"/>
+          </a:xfrm>
+          <a:prstGeom prst="straightConnector1">
+            <a:avLst/>
+          </a:prstGeom>
+          <a:ln>
+            <a:tailEnd type="triangle"/>
+          </a:ln>
+        </p:spPr>
+        <p:style>
+          <a:lnRef idx="2">
+            <a:schemeClr val="dk1"/>
+          </a:lnRef>
+          <a:fillRef idx="0">
+            <a:schemeClr val="dk1"/>
+          </a:fillRef>
+          <a:effectRef idx="1">
+            <a:schemeClr val="dk1"/>
+          </a:effectRef>
+          <a:fontRef idx="minor">
+            <a:schemeClr val="tx1"/>
+          </a:fontRef>
+        </p:style>
+      </p:cxnSp>
+      <p:sp>
+        <p:nvSpPr>
+          <p:cNvPr id="63" name="Rectangle: Single Corner Snipped 62">
+            <a:extLst>
+              <a:ext uri="{FF2B5EF4-FFF2-40B4-BE49-F238E27FC236}">
+                <a16:creationId xmlns:a16="http://schemas.microsoft.com/office/drawing/2014/main" id="{66295919-79C2-2D54-BB2D-88109059BFC4}"/>
+              </a:ext>
+            </a:extLst>
+          </p:cNvPr>
+          <p:cNvSpPr/>
+          <p:nvPr/>
+        </p:nvSpPr>
+        <p:spPr>
+          <a:xfrm>
+            <a:off x="8704194" y="3219105"/>
+            <a:ext cx="1656523" cy="266218"/>
+          </a:xfrm>
+          <a:prstGeom prst="snip1Rect">
+            <a:avLst>
+              <a:gd name="adj" fmla="val 50000"/>
+            </a:avLst>
+          </a:prstGeom>
+        </p:spPr>
+        <p:style>
+          <a:lnRef idx="2">
+            <a:schemeClr val="accent1">
+              <a:shade val="15000"/>
+            </a:schemeClr>
+          </a:lnRef>
+          <a:fillRef idx="1">
+            <a:schemeClr val="accent1"/>
+          </a:fillRef>
+          <a:effectRef idx="0">
+            <a:schemeClr val="accent1"/>
+          </a:effectRef>
+          <a:fontRef idx="minor">
+            <a:schemeClr val="lt1"/>
+          </a:fontRef>
+        </p:style>
+        <p:txBody>
+          <a:bodyPr rtlCol="0" anchor="ctr"/>
+          <a:lstStyle/>
+          <a:p>
+            <a:pPr algn="ctr"/>
+            <a:r>
+              <a:rPr lang="en-GB" sz="1200" dirty="0" err="1"/>
+              <a:t>eggnog_annotations</a:t>
+            </a:r>
+            <a:endParaRPr lang="en-GB" sz="1200" dirty="0"/>
+          </a:p>
+        </p:txBody>
+      </p:sp>
+      <p:cxnSp>
+        <p:nvCxnSpPr>
+          <p:cNvPr id="64" name="Straight Arrow Connector 63">
+            <a:extLst>
+              <a:ext uri="{FF2B5EF4-FFF2-40B4-BE49-F238E27FC236}">
+                <a16:creationId xmlns:a16="http://schemas.microsoft.com/office/drawing/2014/main" id="{1261EDDB-4931-A3E1-1ACD-0B02B9041339}"/>
+              </a:ext>
+            </a:extLst>
+          </p:cNvPr>
+          <p:cNvCxnSpPr>
+            <a:cxnSpLocks/>
+            <a:stCxn id="59" idx="4"/>
+            <a:endCxn id="63" idx="3"/>
+          </p:cNvCxnSpPr>
+          <p:nvPr/>
+        </p:nvCxnSpPr>
+        <p:spPr>
+          <a:xfrm>
+            <a:off x="9528313" y="2974629"/>
+            <a:ext cx="4143" cy="244476"/>
+          </a:xfrm>
+          <a:prstGeom prst="straightConnector1">
+            <a:avLst/>
+          </a:prstGeom>
+          <a:ln>
+            <a:tailEnd type="triangle"/>
+          </a:ln>
+        </p:spPr>
+        <p:style>
+          <a:lnRef idx="2">
+            <a:schemeClr val="dk1"/>
+          </a:lnRef>
+          <a:fillRef idx="0">
+            <a:schemeClr val="dk1"/>
+          </a:fillRef>
+          <a:effectRef idx="1">
+            <a:schemeClr val="dk1"/>
+          </a:effectRef>
+          <a:fontRef idx="minor">
+            <a:schemeClr val="tx1"/>
+          </a:fontRef>
+        </p:style>
+      </p:cxnSp>
+      <p:sp>
+        <p:nvSpPr>
+          <p:cNvPr id="71" name="Rectangle: Rounded Corners 70">
+            <a:extLst>
+              <a:ext uri="{FF2B5EF4-FFF2-40B4-BE49-F238E27FC236}">
+                <a16:creationId xmlns:a16="http://schemas.microsoft.com/office/drawing/2014/main" id="{C9418FA6-EC7F-574F-0F17-9D9368C3EEEB}"/>
+              </a:ext>
+            </a:extLst>
+          </p:cNvPr>
+          <p:cNvSpPr/>
+          <p:nvPr/>
+        </p:nvSpPr>
+        <p:spPr>
+          <a:xfrm>
+            <a:off x="10060471" y="2136117"/>
+            <a:ext cx="1420466" cy="266218"/>
+          </a:xfrm>
+          <a:prstGeom prst="roundRect">
+            <a:avLst/>
+          </a:prstGeom>
+        </p:spPr>
+        <p:style>
+          <a:lnRef idx="2">
+            <a:schemeClr val="accent1">
+              <a:shade val="15000"/>
+            </a:schemeClr>
+          </a:lnRef>
+          <a:fillRef idx="1">
+            <a:schemeClr val="accent1"/>
+          </a:fillRef>
+          <a:effectRef idx="0">
+            <a:schemeClr val="accent1"/>
+          </a:effectRef>
+          <a:fontRef idx="minor">
+            <a:schemeClr val="lt1"/>
+          </a:fontRef>
+        </p:style>
+        <p:txBody>
+          <a:bodyPr rtlCol="0" anchor="ctr"/>
+          <a:lstStyle/>
+          <a:p>
+            <a:pPr algn="ctr"/>
+            <a:r>
+              <a:rPr lang="en-GB" sz="1200" dirty="0"/>
+              <a:t>Slurmsquared.sh</a:t>
+            </a:r>
+          </a:p>
+        </p:txBody>
+      </p:sp>
+      <p:sp>
+        <p:nvSpPr>
+          <p:cNvPr id="72" name="Rectangle: Rounded Corners 71">
+            <a:extLst>
+              <a:ext uri="{FF2B5EF4-FFF2-40B4-BE49-F238E27FC236}">
+                <a16:creationId xmlns:a16="http://schemas.microsoft.com/office/drawing/2014/main" id="{5F4A0766-468F-5B47-F5B3-6A80639D630D}"/>
+              </a:ext>
+            </a:extLst>
+          </p:cNvPr>
+          <p:cNvSpPr/>
+          <p:nvPr/>
+        </p:nvSpPr>
+        <p:spPr>
+          <a:xfrm>
+            <a:off x="10222395" y="2677610"/>
+            <a:ext cx="1096618" cy="358861"/>
+          </a:xfrm>
+          <a:prstGeom prst="roundRect">
+            <a:avLst/>
+          </a:prstGeom>
+        </p:spPr>
+        <p:style>
+          <a:lnRef idx="2">
+            <a:schemeClr val="accent1">
+              <a:shade val="15000"/>
+            </a:schemeClr>
+          </a:lnRef>
+          <a:fillRef idx="1">
+            <a:schemeClr val="accent1"/>
+          </a:fillRef>
+          <a:effectRef idx="0">
+            <a:schemeClr val="accent1"/>
+          </a:effectRef>
+          <a:fontRef idx="minor">
+            <a:schemeClr val="lt1"/>
+          </a:fontRef>
+        </p:style>
+        <p:txBody>
+          <a:bodyPr rtlCol="0" anchor="ctr"/>
+          <a:lstStyle/>
+          <a:p>
+            <a:pPr algn="ctr"/>
+            <a:r>
+              <a:rPr lang="en-GB" sz="1200" dirty="0"/>
+              <a:t>Eggnogslurmrunner.sh</a:t>
+            </a:r>
+          </a:p>
+        </p:txBody>
+      </p:sp>
+      <p:cxnSp>
+        <p:nvCxnSpPr>
+          <p:cNvPr id="73" name="Straight Arrow Connector 72">
+            <a:extLst>
+              <a:ext uri="{FF2B5EF4-FFF2-40B4-BE49-F238E27FC236}">
+                <a16:creationId xmlns:a16="http://schemas.microsoft.com/office/drawing/2014/main" id="{FD549ECA-F0F0-F4E3-3FED-4A7EC66005B8}"/>
+              </a:ext>
+            </a:extLst>
+          </p:cNvPr>
+          <p:cNvCxnSpPr>
+            <a:cxnSpLocks/>
+            <a:stCxn id="71" idx="2"/>
+            <a:endCxn id="72" idx="0"/>
+          </p:cNvCxnSpPr>
+          <p:nvPr/>
+        </p:nvCxnSpPr>
+        <p:spPr>
+          <a:xfrm>
+            <a:off x="10770704" y="2402335"/>
+            <a:ext cx="0" cy="275275"/>
+          </a:xfrm>
+          <a:prstGeom prst="straightConnector1">
+            <a:avLst/>
+          </a:prstGeom>
+          <a:ln>
+            <a:tailEnd type="triangle"/>
+          </a:ln>
+        </p:spPr>
+        <p:style>
+          <a:lnRef idx="2">
+            <a:schemeClr val="dk1"/>
+          </a:lnRef>
+          <a:fillRef idx="0">
+            <a:schemeClr val="dk1"/>
+          </a:fillRef>
+          <a:effectRef idx="1">
+            <a:schemeClr val="dk1"/>
+          </a:effectRef>
+          <a:fontRef idx="minor">
+            <a:schemeClr val="tx1"/>
+          </a:fontRef>
+        </p:style>
+      </p:cxnSp>
+      <p:cxnSp>
+        <p:nvCxnSpPr>
+          <p:cNvPr id="78" name="Straight Arrow Connector 77">
+            <a:extLst>
+              <a:ext uri="{FF2B5EF4-FFF2-40B4-BE49-F238E27FC236}">
+                <a16:creationId xmlns:a16="http://schemas.microsoft.com/office/drawing/2014/main" id="{7F794C22-578B-63AD-CA9A-9E1C93923743}"/>
+              </a:ext>
+            </a:extLst>
+          </p:cNvPr>
+          <p:cNvCxnSpPr>
+            <a:cxnSpLocks/>
+            <a:stCxn id="72" idx="1"/>
+            <a:endCxn id="59" idx="6"/>
+          </p:cNvCxnSpPr>
+          <p:nvPr/>
+        </p:nvCxnSpPr>
+        <p:spPr>
+          <a:xfrm flipH="1" flipV="1">
+            <a:off x="10076622" y="2733778"/>
+            <a:ext cx="145773" cy="123263"/>
+          </a:xfrm>
+          <a:prstGeom prst="straightConnector1">
+            <a:avLst/>
+          </a:prstGeom>
+          <a:ln>
+            <a:tailEnd type="triangle"/>
+          </a:ln>
+        </p:spPr>
+        <p:style>
+          <a:lnRef idx="2">
+            <a:schemeClr val="dk1"/>
+          </a:lnRef>
+          <a:fillRef idx="0">
+            <a:schemeClr val="dk1"/>
+          </a:fillRef>
+          <a:effectRef idx="1">
+            <a:schemeClr val="dk1"/>
+          </a:effectRef>
+          <a:fontRef idx="minor">
+            <a:schemeClr val="tx1"/>
+          </a:fontRef>
+        </p:style>
+      </p:cxnSp>
+      <p:cxnSp>
+        <p:nvCxnSpPr>
+          <p:cNvPr id="81" name="Straight Arrow Connector 80">
+            <a:extLst>
+              <a:ext uri="{FF2B5EF4-FFF2-40B4-BE49-F238E27FC236}">
+                <a16:creationId xmlns:a16="http://schemas.microsoft.com/office/drawing/2014/main" id="{94E3C83E-9981-7F1A-FA4D-B409AB133AC3}"/>
+              </a:ext>
+            </a:extLst>
+          </p:cNvPr>
+          <p:cNvCxnSpPr>
+            <a:cxnSpLocks/>
+            <a:stCxn id="63" idx="2"/>
+            <a:endCxn id="84" idx="0"/>
+          </p:cNvCxnSpPr>
+          <p:nvPr/>
+        </p:nvCxnSpPr>
+        <p:spPr>
+          <a:xfrm flipH="1">
+            <a:off x="4967707" y="3352214"/>
+            <a:ext cx="3736487" cy="382626"/>
+          </a:xfrm>
+          <a:prstGeom prst="straightConnector1">
+            <a:avLst/>
+          </a:prstGeom>
+          <a:ln>
+            <a:tailEnd type="triangle"/>
+          </a:ln>
+        </p:spPr>
+        <p:style>
+          <a:lnRef idx="2">
+            <a:schemeClr val="dk1"/>
+          </a:lnRef>
+          <a:fillRef idx="0">
+            <a:schemeClr val="dk1"/>
+          </a:fillRef>
+          <a:effectRef idx="1">
+            <a:schemeClr val="dk1"/>
+          </a:effectRef>
+          <a:fontRef idx="minor">
+            <a:schemeClr val="tx1"/>
+          </a:fontRef>
+        </p:style>
+      </p:cxnSp>
+      <p:sp>
+        <p:nvSpPr>
+          <p:cNvPr id="84" name="Rectangle: Single Corner Snipped 83">
+            <a:extLst>
+              <a:ext uri="{FF2B5EF4-FFF2-40B4-BE49-F238E27FC236}">
+                <a16:creationId xmlns:a16="http://schemas.microsoft.com/office/drawing/2014/main" id="{78770F94-EBEE-5F21-200A-389D4DDAEE0E}"/>
+              </a:ext>
+            </a:extLst>
+          </p:cNvPr>
+          <p:cNvSpPr/>
+          <p:nvPr/>
+        </p:nvSpPr>
+        <p:spPr>
+          <a:xfrm>
+            <a:off x="3407667" y="3457434"/>
+            <a:ext cx="1560040" cy="554812"/>
+          </a:xfrm>
+          <a:prstGeom prst="snip1Rect">
+            <a:avLst>
+              <a:gd name="adj" fmla="val 50000"/>
+            </a:avLst>
+          </a:prstGeom>
+        </p:spPr>
+        <p:style>
+          <a:lnRef idx="2">
+            <a:schemeClr val="accent1">
+              <a:shade val="15000"/>
+            </a:schemeClr>
+          </a:lnRef>
+          <a:fillRef idx="1">
+            <a:schemeClr val="accent1"/>
+          </a:fillRef>
+          <a:effectRef idx="0">
+            <a:schemeClr val="accent1"/>
+          </a:effectRef>
+          <a:fontRef idx="minor">
+            <a:schemeClr val="lt1"/>
+          </a:fontRef>
+        </p:style>
+        <p:txBody>
+          <a:bodyPr rtlCol="0" anchor="ctr"/>
+          <a:lstStyle/>
+          <a:p>
+            <a:pPr algn="ctr"/>
+            <a:r>
+              <a:rPr lang="en-GB" sz="1200" dirty="0"/>
+              <a:t>02…/</a:t>
+            </a:r>
+            <a:r>
+              <a:rPr lang="en-GB" sz="1200" dirty="0" err="1"/>
+              <a:t>eggnog_stuff</a:t>
+            </a:r>
+            <a:r>
+              <a:rPr lang="en-GB" sz="1200" dirty="0"/>
+              <a:t>/</a:t>
+            </a:r>
+            <a:r>
+              <a:rPr lang="en-GB" sz="1200" dirty="0" err="1"/>
+              <a:t>eggnog_outputs</a:t>
+            </a:r>
+            <a:endParaRPr lang="en-GB" sz="1200" dirty="0"/>
+          </a:p>
+        </p:txBody>
+      </p:sp>
+      <p:sp>
+        <p:nvSpPr>
+          <p:cNvPr id="91" name="Rectangle: Rounded Corners 90">
+            <a:extLst>
+              <a:ext uri="{FF2B5EF4-FFF2-40B4-BE49-F238E27FC236}">
+                <a16:creationId xmlns:a16="http://schemas.microsoft.com/office/drawing/2014/main" id="{4850FE45-026E-88AD-F3AA-90DD6EB475D9}"/>
+              </a:ext>
+            </a:extLst>
+          </p:cNvPr>
+          <p:cNvSpPr/>
+          <p:nvPr/>
+        </p:nvSpPr>
+        <p:spPr>
+          <a:xfrm>
+            <a:off x="838200" y="4246011"/>
+            <a:ext cx="1070113" cy="441566"/>
+          </a:xfrm>
+          <a:prstGeom prst="roundRect">
+            <a:avLst/>
+          </a:prstGeom>
+        </p:spPr>
+        <p:style>
+          <a:lnRef idx="2">
+            <a:schemeClr val="accent1">
+              <a:shade val="15000"/>
+            </a:schemeClr>
+          </a:lnRef>
+          <a:fillRef idx="1">
+            <a:schemeClr val="accent1"/>
+          </a:fillRef>
+          <a:effectRef idx="0">
+            <a:schemeClr val="accent1"/>
+          </a:effectRef>
+          <a:fontRef idx="minor">
+            <a:schemeClr val="lt1"/>
+          </a:fontRef>
+        </p:style>
+        <p:txBody>
+          <a:bodyPr rtlCol="0" anchor="ctr"/>
+          <a:lstStyle/>
+          <a:p>
+            <a:pPr algn="ctr"/>
+            <a:r>
+              <a:rPr lang="en-GB" sz="1000" dirty="0"/>
+              <a:t>KEGG_pipeline_pt1_enrich</a:t>
+            </a:r>
+          </a:p>
+        </p:txBody>
+      </p:sp>
+      <p:sp>
+        <p:nvSpPr>
+          <p:cNvPr id="92" name="Rectangle: Rounded Corners 91">
+            <a:extLst>
+              <a:ext uri="{FF2B5EF4-FFF2-40B4-BE49-F238E27FC236}">
+                <a16:creationId xmlns:a16="http://schemas.microsoft.com/office/drawing/2014/main" id="{F0FCFB77-EFDE-EA3C-C59F-6109FB521961}"/>
+              </a:ext>
+            </a:extLst>
+          </p:cNvPr>
+          <p:cNvSpPr/>
+          <p:nvPr/>
+        </p:nvSpPr>
+        <p:spPr>
+          <a:xfrm>
+            <a:off x="2170043" y="4247321"/>
+            <a:ext cx="1070113" cy="440255"/>
+          </a:xfrm>
+          <a:prstGeom prst="roundRect">
+            <a:avLst/>
+          </a:prstGeom>
+        </p:spPr>
+        <p:style>
+          <a:lnRef idx="2">
+            <a:schemeClr val="accent1">
+              <a:shade val="15000"/>
+            </a:schemeClr>
+          </a:lnRef>
+          <a:fillRef idx="1">
+            <a:schemeClr val="accent1"/>
+          </a:fillRef>
+          <a:effectRef idx="0">
+            <a:schemeClr val="accent1"/>
+          </a:effectRef>
+          <a:fontRef idx="minor">
+            <a:schemeClr val="lt1"/>
+          </a:fontRef>
+        </p:style>
+        <p:txBody>
+          <a:bodyPr rtlCol="0" anchor="ctr"/>
+          <a:lstStyle/>
+          <a:p>
+            <a:pPr algn="ctr"/>
+            <a:r>
+              <a:rPr lang="en-GB" sz="1000" dirty="0"/>
+              <a:t>KEGG_pipeline_pt2_aggregate</a:t>
+            </a:r>
+          </a:p>
+        </p:txBody>
+      </p:sp>
+      <p:sp>
+        <p:nvSpPr>
+          <p:cNvPr id="93" name="Rectangle: Rounded Corners 92">
+            <a:extLst>
+              <a:ext uri="{FF2B5EF4-FFF2-40B4-BE49-F238E27FC236}">
+                <a16:creationId xmlns:a16="http://schemas.microsoft.com/office/drawing/2014/main" id="{B2998D22-5801-9EB0-15B2-4AE0DC14FD37}"/>
+              </a:ext>
+            </a:extLst>
+          </p:cNvPr>
+          <p:cNvSpPr/>
+          <p:nvPr/>
+        </p:nvSpPr>
+        <p:spPr>
+          <a:xfrm>
+            <a:off x="3506856" y="4247321"/>
+            <a:ext cx="1070113" cy="440255"/>
+          </a:xfrm>
+          <a:prstGeom prst="roundRect">
+            <a:avLst/>
+          </a:prstGeom>
+        </p:spPr>
+        <p:style>
+          <a:lnRef idx="2">
+            <a:schemeClr val="accent1">
+              <a:shade val="15000"/>
+            </a:schemeClr>
+          </a:lnRef>
+          <a:fillRef idx="1">
+            <a:schemeClr val="accent1"/>
+          </a:fillRef>
+          <a:effectRef idx="0">
+            <a:schemeClr val="accent1"/>
+          </a:effectRef>
+          <a:fontRef idx="minor">
+            <a:schemeClr val="lt1"/>
+          </a:fontRef>
+        </p:style>
+        <p:txBody>
+          <a:bodyPr rtlCol="0" anchor="ctr"/>
+          <a:lstStyle/>
+          <a:p>
+            <a:pPr algn="ctr"/>
+            <a:r>
+              <a:rPr lang="en-GB" sz="1000" dirty="0"/>
+              <a:t>KEGG_pipeline_pt3_heatmap</a:t>
+            </a:r>
+          </a:p>
+        </p:txBody>
+      </p:sp>
+      <p:cxnSp>
+        <p:nvCxnSpPr>
+          <p:cNvPr id="94" name="Straight Arrow Connector 93">
+            <a:extLst>
+              <a:ext uri="{FF2B5EF4-FFF2-40B4-BE49-F238E27FC236}">
+                <a16:creationId xmlns:a16="http://schemas.microsoft.com/office/drawing/2014/main" id="{FDFAE792-9D29-11AC-00A3-D73A5D3EAC81}"/>
+              </a:ext>
+            </a:extLst>
+          </p:cNvPr>
+          <p:cNvCxnSpPr>
+            <a:cxnSpLocks/>
+            <a:stCxn id="84" idx="2"/>
+            <a:endCxn id="91" idx="0"/>
+          </p:cNvCxnSpPr>
+          <p:nvPr/>
+        </p:nvCxnSpPr>
+        <p:spPr>
+          <a:xfrm flipH="1">
+            <a:off x="1373257" y="3734840"/>
+            <a:ext cx="2034410" cy="511171"/>
+          </a:xfrm>
+          <a:prstGeom prst="straightConnector1">
+            <a:avLst/>
+          </a:prstGeom>
+          <a:ln>
+            <a:tailEnd type="triangle"/>
+          </a:ln>
+        </p:spPr>
+        <p:style>
+          <a:lnRef idx="2">
+            <a:schemeClr val="dk1"/>
+          </a:lnRef>
+          <a:fillRef idx="0">
+            <a:schemeClr val="dk1"/>
+          </a:fillRef>
+          <a:effectRef idx="1">
+            <a:schemeClr val="dk1"/>
+          </a:effectRef>
+          <a:fontRef idx="minor">
+            <a:schemeClr val="tx1"/>
+          </a:fontRef>
+        </p:style>
+      </p:cxnSp>
+      <p:cxnSp>
+        <p:nvCxnSpPr>
+          <p:cNvPr id="95" name="Straight Arrow Connector 94">
+            <a:extLst>
+              <a:ext uri="{FF2B5EF4-FFF2-40B4-BE49-F238E27FC236}">
+                <a16:creationId xmlns:a16="http://schemas.microsoft.com/office/drawing/2014/main" id="{2782AE8D-EB78-6A49-7FEC-EE628367DF46}"/>
+              </a:ext>
+            </a:extLst>
+          </p:cNvPr>
+          <p:cNvCxnSpPr>
+            <a:cxnSpLocks/>
+            <a:stCxn id="92" idx="3"/>
+            <a:endCxn id="93" idx="1"/>
+          </p:cNvCxnSpPr>
+          <p:nvPr/>
+        </p:nvCxnSpPr>
+        <p:spPr>
+          <a:xfrm>
+            <a:off x="3240156" y="4467449"/>
+            <a:ext cx="266700" cy="0"/>
+          </a:xfrm>
+          <a:prstGeom prst="straightConnector1">
+            <a:avLst/>
+          </a:prstGeom>
+          <a:ln>
+            <a:tailEnd type="triangle"/>
+          </a:ln>
+        </p:spPr>
+        <p:style>
+          <a:lnRef idx="2">
+            <a:schemeClr val="dk1"/>
+          </a:lnRef>
+          <a:fillRef idx="0">
+            <a:schemeClr val="dk1"/>
+          </a:fillRef>
+          <a:effectRef idx="1">
+            <a:schemeClr val="dk1"/>
+          </a:effectRef>
+          <a:fontRef idx="minor">
+            <a:schemeClr val="tx1"/>
+          </a:fontRef>
+        </p:style>
+      </p:cxnSp>
+      <p:cxnSp>
+        <p:nvCxnSpPr>
+          <p:cNvPr id="96" name="Straight Arrow Connector 95">
+            <a:extLst>
+              <a:ext uri="{FF2B5EF4-FFF2-40B4-BE49-F238E27FC236}">
+                <a16:creationId xmlns:a16="http://schemas.microsoft.com/office/drawing/2014/main" id="{F40B9CE3-8DB8-57CB-F60A-8FFC742ACDCB}"/>
+              </a:ext>
+            </a:extLst>
+          </p:cNvPr>
+          <p:cNvCxnSpPr>
+            <a:cxnSpLocks/>
+            <a:stCxn id="91" idx="3"/>
+            <a:endCxn id="92" idx="1"/>
+          </p:cNvCxnSpPr>
+          <p:nvPr/>
+        </p:nvCxnSpPr>
+        <p:spPr>
+          <a:xfrm>
+            <a:off x="1908313" y="4466794"/>
+            <a:ext cx="261730" cy="655"/>
+          </a:xfrm>
+          <a:prstGeom prst="straightConnector1">
+            <a:avLst/>
+          </a:prstGeom>
+          <a:ln>
+            <a:tailEnd type="triangle"/>
+          </a:ln>
+        </p:spPr>
+        <p:style>
+          <a:lnRef idx="2">
+            <a:schemeClr val="dk1"/>
+          </a:lnRef>
+          <a:fillRef idx="0">
+            <a:schemeClr val="dk1"/>
+          </a:fillRef>
+          <a:effectRef idx="1">
+            <a:schemeClr val="dk1"/>
+          </a:effectRef>
+          <a:fontRef idx="minor">
+            <a:schemeClr val="tx1"/>
+          </a:fontRef>
+        </p:style>
+      </p:cxnSp>
+      <p:sp>
+        <p:nvSpPr>
+          <p:cNvPr id="103" name="Flowchart: Off-page Connector 102">
+            <a:extLst>
+              <a:ext uri="{FF2B5EF4-FFF2-40B4-BE49-F238E27FC236}">
+                <a16:creationId xmlns:a16="http://schemas.microsoft.com/office/drawing/2014/main" id="{13B035B6-B730-0A9D-4FA8-9F51882E9E9A}"/>
+              </a:ext>
+            </a:extLst>
+          </p:cNvPr>
+          <p:cNvSpPr/>
+          <p:nvPr/>
+        </p:nvSpPr>
+        <p:spPr>
+          <a:xfrm>
+            <a:off x="10467561" y="83307"/>
+            <a:ext cx="641074" cy="872678"/>
+          </a:xfrm>
+          <a:prstGeom prst="flowChartOffpageConnector">
+            <a:avLst/>
+          </a:prstGeom>
+        </p:spPr>
+        <p:style>
+          <a:lnRef idx="2">
+            <a:schemeClr val="accent1">
+              <a:shade val="15000"/>
+            </a:schemeClr>
+          </a:lnRef>
+          <a:fillRef idx="1">
+            <a:schemeClr val="accent1"/>
+          </a:fillRef>
+          <a:effectRef idx="0">
+            <a:schemeClr val="accent1"/>
+          </a:effectRef>
+          <a:fontRef idx="minor">
+            <a:schemeClr val="lt1"/>
+          </a:fontRef>
+        </p:style>
+        <p:txBody>
+          <a:bodyPr rtlCol="0" anchor="ctr"/>
+          <a:lstStyle/>
+          <a:p>
+            <a:pPr algn="ctr"/>
+            <a:r>
+              <a:rPr lang="en-GB" sz="1200" dirty="0"/>
+              <a:t>output</a:t>
+            </a:r>
+          </a:p>
+        </p:txBody>
+      </p:sp>
+      <p:sp>
+        <p:nvSpPr>
+          <p:cNvPr id="104" name="Flowchart: Off-page Connector 103">
+            <a:extLst>
+              <a:ext uri="{FF2B5EF4-FFF2-40B4-BE49-F238E27FC236}">
+                <a16:creationId xmlns:a16="http://schemas.microsoft.com/office/drawing/2014/main" id="{8782B8F0-8E17-EBF0-0C91-42062312323B}"/>
+              </a:ext>
+            </a:extLst>
+          </p:cNvPr>
+          <p:cNvSpPr/>
+          <p:nvPr/>
+        </p:nvSpPr>
+        <p:spPr>
+          <a:xfrm>
+            <a:off x="3616599" y="4935910"/>
+            <a:ext cx="850625" cy="490862"/>
+          </a:xfrm>
+          <a:prstGeom prst="flowChartOffpageConnector">
+            <a:avLst/>
+          </a:prstGeom>
+        </p:spPr>
+        <p:style>
+          <a:lnRef idx="2">
+            <a:schemeClr val="accent1">
+              <a:shade val="15000"/>
+            </a:schemeClr>
+          </a:lnRef>
+          <a:fillRef idx="1">
+            <a:schemeClr val="accent1"/>
+          </a:fillRef>
+          <a:effectRef idx="0">
+            <a:schemeClr val="accent1"/>
+          </a:effectRef>
+          <a:fontRef idx="minor">
+            <a:schemeClr val="lt1"/>
+          </a:fontRef>
+        </p:style>
+        <p:txBody>
+          <a:bodyPr rtlCol="0" anchor="ctr"/>
+          <a:lstStyle/>
+          <a:p>
+            <a:pPr algn="ctr"/>
+            <a:r>
+              <a:rPr lang="en-GB" sz="1200" dirty="0"/>
+              <a:t>heatmaps</a:t>
+            </a:r>
+          </a:p>
+        </p:txBody>
+      </p:sp>
+      <p:cxnSp>
+        <p:nvCxnSpPr>
+          <p:cNvPr id="105" name="Straight Arrow Connector 104">
+            <a:extLst>
+              <a:ext uri="{FF2B5EF4-FFF2-40B4-BE49-F238E27FC236}">
+                <a16:creationId xmlns:a16="http://schemas.microsoft.com/office/drawing/2014/main" id="{BBEF33C0-EFAD-08A3-A376-7573B375CEF3}"/>
+              </a:ext>
+            </a:extLst>
+          </p:cNvPr>
+          <p:cNvCxnSpPr>
+            <a:cxnSpLocks/>
+            <a:stCxn id="93" idx="2"/>
+            <a:endCxn id="104" idx="0"/>
+          </p:cNvCxnSpPr>
+          <p:nvPr/>
+        </p:nvCxnSpPr>
+        <p:spPr>
+          <a:xfrm flipH="1">
+            <a:off x="4041912" y="4687576"/>
+            <a:ext cx="1" cy="248334"/>
+          </a:xfrm>
+          <a:prstGeom prst="straightConnector1">
+            <a:avLst/>
+          </a:prstGeom>
+          <a:ln>
+            <a:tailEnd type="triangle"/>
+          </a:ln>
+        </p:spPr>
+        <p:style>
+          <a:lnRef idx="2">
+            <a:schemeClr val="dk1"/>
+          </a:lnRef>
+          <a:fillRef idx="0">
+            <a:schemeClr val="dk1"/>
+          </a:fillRef>
+          <a:effectRef idx="1">
+            <a:schemeClr val="dk1"/>
+          </a:effectRef>
+          <a:fontRef idx="minor">
+            <a:schemeClr val="tx1"/>
+          </a:fontRef>
+        </p:style>
+      </p:cxnSp>
+      <p:sp>
+        <p:nvSpPr>
+          <p:cNvPr id="108" name="Freeform: Shape 107">
+            <a:extLst>
+              <a:ext uri="{FF2B5EF4-FFF2-40B4-BE49-F238E27FC236}">
+                <a16:creationId xmlns:a16="http://schemas.microsoft.com/office/drawing/2014/main" id="{74403B77-A31F-7954-5865-AEA7E6BC5C60}"/>
+              </a:ext>
+            </a:extLst>
+          </p:cNvPr>
+          <p:cNvSpPr/>
+          <p:nvPr/>
+        </p:nvSpPr>
+        <p:spPr>
+          <a:xfrm>
+            <a:off x="430696" y="781878"/>
+            <a:ext cx="11443252" cy="4962939"/>
+          </a:xfrm>
+          <a:custGeom>
+            <a:avLst/>
+            <a:gdLst>
+              <a:gd name="connsiteX0" fmla="*/ 4459356 w 11443252"/>
+              <a:gd name="connsiteY0" fmla="*/ 0 h 4962939"/>
+              <a:gd name="connsiteX1" fmla="*/ 3631095 w 11443252"/>
+              <a:gd name="connsiteY1" fmla="*/ 1325218 h 4962939"/>
+              <a:gd name="connsiteX2" fmla="*/ 2319130 w 11443252"/>
+              <a:gd name="connsiteY2" fmla="*/ 1431235 h 4962939"/>
+              <a:gd name="connsiteX3" fmla="*/ 2173356 w 11443252"/>
+              <a:gd name="connsiteY3" fmla="*/ 2975113 h 4962939"/>
+              <a:gd name="connsiteX4" fmla="*/ 0 w 11443252"/>
+              <a:gd name="connsiteY4" fmla="*/ 3458818 h 4962939"/>
+              <a:gd name="connsiteX5" fmla="*/ 516834 w 11443252"/>
+              <a:gd name="connsiteY5" fmla="*/ 4147931 h 4962939"/>
+              <a:gd name="connsiteX6" fmla="*/ 2882347 w 11443252"/>
+              <a:gd name="connsiteY6" fmla="*/ 4141305 h 4962939"/>
+              <a:gd name="connsiteX7" fmla="*/ 3286539 w 11443252"/>
+              <a:gd name="connsiteY7" fmla="*/ 4962939 h 4962939"/>
+              <a:gd name="connsiteX8" fmla="*/ 4234069 w 11443252"/>
+              <a:gd name="connsiteY8" fmla="*/ 4923183 h 4962939"/>
+              <a:gd name="connsiteX9" fmla="*/ 4618382 w 11443252"/>
+              <a:gd name="connsiteY9" fmla="*/ 3266661 h 4962939"/>
+              <a:gd name="connsiteX10" fmla="*/ 10701130 w 11443252"/>
+              <a:gd name="connsiteY10" fmla="*/ 2835965 h 4962939"/>
+              <a:gd name="connsiteX11" fmla="*/ 11443252 w 11443252"/>
+              <a:gd name="connsiteY11" fmla="*/ 1192696 h 4962939"/>
+              <a:gd name="connsiteX12" fmla="*/ 9462052 w 11443252"/>
+              <a:gd name="connsiteY12" fmla="*/ 1292087 h 4962939"/>
+              <a:gd name="connsiteX13" fmla="*/ 4625008 w 11443252"/>
+              <a:gd name="connsiteY13" fmla="*/ 2020957 h 4962939"/>
+              <a:gd name="connsiteX14" fmla="*/ 4770782 w 11443252"/>
+              <a:gd name="connsiteY14" fmla="*/ 1265583 h 4962939"/>
+              <a:gd name="connsiteX15" fmla="*/ 6924261 w 11443252"/>
+              <a:gd name="connsiteY15" fmla="*/ 576470 h 4962939"/>
+              <a:gd name="connsiteX16" fmla="*/ 6732104 w 11443252"/>
+              <a:gd name="connsiteY16" fmla="*/ 46383 h 4962939"/>
+              <a:gd name="connsiteX17" fmla="*/ 4459356 w 11443252"/>
+              <a:gd name="connsiteY17" fmla="*/ 0 h 4962939"/>
+            </a:gdLst>
+            <a:ahLst/>
+            <a:cxnLst>
+              <a:cxn ang="0">
+                <a:pos x="connsiteX0" y="connsiteY0"/>
+              </a:cxn>
+              <a:cxn ang="0">
+                <a:pos x="connsiteX1" y="connsiteY1"/>
+              </a:cxn>
+              <a:cxn ang="0">
+                <a:pos x="connsiteX2" y="connsiteY2"/>
+              </a:cxn>
+              <a:cxn ang="0">
+                <a:pos x="connsiteX3" y="connsiteY3"/>
+              </a:cxn>
+              <a:cxn ang="0">
+                <a:pos x="connsiteX4" y="connsiteY4"/>
+              </a:cxn>
+              <a:cxn ang="0">
+                <a:pos x="connsiteX5" y="connsiteY5"/>
+              </a:cxn>
+              <a:cxn ang="0">
+                <a:pos x="connsiteX6" y="connsiteY6"/>
+              </a:cxn>
+              <a:cxn ang="0">
+                <a:pos x="connsiteX7" y="connsiteY7"/>
+              </a:cxn>
+              <a:cxn ang="0">
+                <a:pos x="connsiteX8" y="connsiteY8"/>
+              </a:cxn>
+              <a:cxn ang="0">
+                <a:pos x="connsiteX9" y="connsiteY9"/>
+              </a:cxn>
+              <a:cxn ang="0">
+                <a:pos x="connsiteX10" y="connsiteY10"/>
+              </a:cxn>
+              <a:cxn ang="0">
+                <a:pos x="connsiteX11" y="connsiteY11"/>
+              </a:cxn>
+              <a:cxn ang="0">
+                <a:pos x="connsiteX12" y="connsiteY12"/>
+              </a:cxn>
+              <a:cxn ang="0">
+                <a:pos x="connsiteX13" y="connsiteY13"/>
+              </a:cxn>
+              <a:cxn ang="0">
+                <a:pos x="connsiteX14" y="connsiteY14"/>
+              </a:cxn>
+              <a:cxn ang="0">
+                <a:pos x="connsiteX15" y="connsiteY15"/>
+              </a:cxn>
+              <a:cxn ang="0">
+                <a:pos x="connsiteX16" y="connsiteY16"/>
+              </a:cxn>
+              <a:cxn ang="0">
+                <a:pos x="connsiteX17" y="connsiteY17"/>
+              </a:cxn>
+            </a:cxnLst>
+            <a:rect l="l" t="t" r="r" b="b"/>
+            <a:pathLst>
+              <a:path w="11443252" h="4962939">
+                <a:moveTo>
+                  <a:pt x="4459356" y="0"/>
+                </a:moveTo>
+                <a:lnTo>
+                  <a:pt x="3631095" y="1325218"/>
+                </a:lnTo>
+                <a:lnTo>
+                  <a:pt x="2319130" y="1431235"/>
+                </a:lnTo>
+                <a:lnTo>
+                  <a:pt x="2173356" y="2975113"/>
+                </a:lnTo>
+                <a:lnTo>
+                  <a:pt x="0" y="3458818"/>
+                </a:lnTo>
+                <a:lnTo>
+                  <a:pt x="516834" y="4147931"/>
+                </a:lnTo>
+                <a:lnTo>
+                  <a:pt x="2882347" y="4141305"/>
+                </a:lnTo>
+                <a:lnTo>
+                  <a:pt x="3286539" y="4962939"/>
+                </a:lnTo>
+                <a:lnTo>
+                  <a:pt x="4234069" y="4923183"/>
+                </a:lnTo>
+                <a:lnTo>
+                  <a:pt x="4618382" y="3266661"/>
+                </a:lnTo>
+                <a:lnTo>
+                  <a:pt x="10701130" y="2835965"/>
+                </a:lnTo>
+                <a:lnTo>
+                  <a:pt x="11443252" y="1192696"/>
+                </a:lnTo>
+                <a:lnTo>
+                  <a:pt x="9462052" y="1292087"/>
+                </a:lnTo>
+                <a:lnTo>
+                  <a:pt x="4625008" y="2020957"/>
+                </a:lnTo>
+                <a:lnTo>
+                  <a:pt x="4770782" y="1265583"/>
+                </a:lnTo>
+                <a:lnTo>
+                  <a:pt x="6924261" y="576470"/>
+                </a:lnTo>
+                <a:lnTo>
+                  <a:pt x="6732104" y="46383"/>
+                </a:lnTo>
+                <a:lnTo>
+                  <a:pt x="4459356" y="0"/>
+                </a:lnTo>
+                <a:close/>
+              </a:path>
+            </a:pathLst>
+          </a:custGeom>
+          <a:solidFill>
+            <a:srgbClr val="C00000">
+              <a:alpha val="12000"/>
+            </a:srgbClr>
+          </a:solidFill>
+          <a:ln>
+            <a:solidFill>
+              <a:srgbClr val="FF0000"/>
+            </a:solidFill>
+          </a:ln>
+        </p:spPr>
+        <p:style>
+          <a:lnRef idx="2">
+            <a:schemeClr val="accent1">
+              <a:shade val="15000"/>
+            </a:schemeClr>
+          </a:lnRef>
+          <a:fillRef idx="1">
+            <a:schemeClr val="accent1"/>
+          </a:fillRef>
+          <a:effectRef idx="0">
+            <a:schemeClr val="accent1"/>
+          </a:effectRef>
+          <a:fontRef idx="minor">
+            <a:schemeClr val="lt1"/>
+          </a:fontRef>
+        </p:style>
+        <p:txBody>
+          <a:bodyPr rtlCol="0" anchor="ctr"/>
+          <a:lstStyle/>
+          <a:p>
+            <a:pPr algn="ctr"/>
+            <a:endParaRPr lang="en-GB"/>
+          </a:p>
+        </p:txBody>
+      </p:sp>
+      <p:sp>
+        <p:nvSpPr>
+          <p:cNvPr id="109" name="TextBox 108">
+            <a:extLst>
+              <a:ext uri="{FF2B5EF4-FFF2-40B4-BE49-F238E27FC236}">
+                <a16:creationId xmlns:a16="http://schemas.microsoft.com/office/drawing/2014/main" id="{0FD7748B-3DF2-35A7-F6E6-2DF1089C62E1}"/>
+              </a:ext>
+            </a:extLst>
+          </p:cNvPr>
+          <p:cNvSpPr txBox="1"/>
+          <p:nvPr/>
+        </p:nvSpPr>
+        <p:spPr>
+          <a:xfrm>
+            <a:off x="8580413" y="875981"/>
+            <a:ext cx="1398841" cy="276999"/>
+          </a:xfrm>
+          <a:prstGeom prst="rect">
+            <a:avLst/>
+          </a:prstGeom>
+          <a:solidFill>
+            <a:srgbClr val="C00000">
+              <a:alpha val="12000"/>
+            </a:srgbClr>
+          </a:solidFill>
+          <a:ln>
+            <a:solidFill>
+              <a:srgbClr val="C00000"/>
+            </a:solidFill>
+          </a:ln>
+        </p:spPr>
+        <p:txBody>
+          <a:bodyPr wrap="square" rtlCol="0">
+            <a:spAutoFit/>
+          </a:bodyPr>
+          <a:lstStyle/>
+          <a:p>
+            <a:r>
+              <a:rPr lang="en-GB" sz="1200" dirty="0"/>
+              <a:t>Heatmap pipeline</a:t>
             </a:r>
           </a:p>
         </p:txBody>

--- a/HELP.pptx
+++ b/HELP.pptx
@@ -6278,7 +6278,7 @@
           <a:lstStyle/>
           <a:p>
             <a:pPr algn="ctr"/>
-            <a:endParaRPr lang="en-GB"/>
+            <a:endParaRPr lang="en-GB" dirty="0"/>
           </a:p>
         </p:txBody>
       </p:sp>
@@ -6326,6 +6326,141 @@
           </a:p>
         </p:txBody>
       </p:sp>
+      <p:sp>
+        <p:nvSpPr>
+          <p:cNvPr id="3" name="Oval 2">
+            <a:extLst>
+              <a:ext uri="{FF2B5EF4-FFF2-40B4-BE49-F238E27FC236}">
+                <a16:creationId xmlns:a16="http://schemas.microsoft.com/office/drawing/2014/main" id="{A42C423F-1874-C612-23BC-5D3647E558C8}"/>
+              </a:ext>
+            </a:extLst>
+          </p:cNvPr>
+          <p:cNvSpPr/>
+          <p:nvPr/>
+        </p:nvSpPr>
+        <p:spPr>
+          <a:xfrm>
+            <a:off x="2151541" y="2327256"/>
+            <a:ext cx="1070112" cy="484577"/>
+          </a:xfrm>
+          <a:prstGeom prst="ellipse">
+            <a:avLst/>
+          </a:prstGeom>
+        </p:spPr>
+        <p:style>
+          <a:lnRef idx="2">
+            <a:schemeClr val="accent1">
+              <a:shade val="15000"/>
+            </a:schemeClr>
+          </a:lnRef>
+          <a:fillRef idx="1">
+            <a:schemeClr val="accent1"/>
+          </a:fillRef>
+          <a:effectRef idx="0">
+            <a:schemeClr val="accent1"/>
+          </a:effectRef>
+          <a:fontRef idx="minor">
+            <a:schemeClr val="lt1"/>
+          </a:fontRef>
+        </p:style>
+        <p:txBody>
+          <a:bodyPr rtlCol="0" anchor="ctr"/>
+          <a:lstStyle/>
+          <a:p>
+            <a:pPr algn="ctr"/>
+            <a:r>
+              <a:rPr lang="en-GB" sz="1200" dirty="0"/>
+              <a:t>GTDB-TK</a:t>
+            </a:r>
+          </a:p>
+        </p:txBody>
+      </p:sp>
+      <p:cxnSp>
+        <p:nvCxnSpPr>
+          <p:cNvPr id="12" name="Straight Arrow Connector 11">
+            <a:extLst>
+              <a:ext uri="{FF2B5EF4-FFF2-40B4-BE49-F238E27FC236}">
+                <a16:creationId xmlns:a16="http://schemas.microsoft.com/office/drawing/2014/main" id="{FDCADBBC-2998-01EB-30AE-C75BE4CE0E10}"/>
+              </a:ext>
+            </a:extLst>
+          </p:cNvPr>
+          <p:cNvCxnSpPr>
+            <a:cxnSpLocks/>
+            <a:stCxn id="3" idx="4"/>
+            <a:endCxn id="20" idx="3"/>
+          </p:cNvCxnSpPr>
+          <p:nvPr/>
+        </p:nvCxnSpPr>
+        <p:spPr>
+          <a:xfrm flipH="1" flipV="1">
+            <a:off x="2004108" y="2492927"/>
+            <a:ext cx="682489" cy="318906"/>
+          </a:xfrm>
+          <a:prstGeom prst="straightConnector1">
+            <a:avLst/>
+          </a:prstGeom>
+          <a:ln>
+            <a:tailEnd type="triangle"/>
+          </a:ln>
+        </p:spPr>
+        <p:style>
+          <a:lnRef idx="2">
+            <a:schemeClr val="dk1"/>
+          </a:lnRef>
+          <a:fillRef idx="0">
+            <a:schemeClr val="dk1"/>
+          </a:fillRef>
+          <a:effectRef idx="1">
+            <a:schemeClr val="dk1"/>
+          </a:effectRef>
+          <a:fontRef idx="minor">
+            <a:schemeClr val="tx1"/>
+          </a:fontRef>
+        </p:style>
+      </p:cxnSp>
+      <p:cxnSp>
+        <p:nvCxnSpPr>
+          <p:cNvPr id="23" name="Straight Arrow Connector 22">
+            <a:extLst>
+              <a:ext uri="{FF2B5EF4-FFF2-40B4-BE49-F238E27FC236}">
+                <a16:creationId xmlns:a16="http://schemas.microsoft.com/office/drawing/2014/main" id="{573A5F9C-89FE-93C6-78CE-12531671F4D1}"/>
+              </a:ext>
+            </a:extLst>
+          </p:cNvPr>
+          <p:cNvCxnSpPr>
+            <a:cxnSpLocks/>
+            <a:stCxn id="3" idx="6"/>
+            <a:endCxn id="14" idx="1"/>
+          </p:cNvCxnSpPr>
+          <p:nvPr/>
+        </p:nvCxnSpPr>
+        <p:spPr>
+          <a:xfrm flipV="1">
+            <a:off x="3221653" y="2492927"/>
+            <a:ext cx="75229" cy="76618"/>
+          </a:xfrm>
+          <a:prstGeom prst="straightConnector1">
+            <a:avLst/>
+          </a:prstGeom>
+          <a:ln>
+            <a:tailEnd type="triangle"/>
+          </a:ln>
+        </p:spPr>
+        <p:style>
+          <a:lnRef idx="2">
+            <a:schemeClr val="dk1"/>
+          </a:lnRef>
+          <a:fillRef idx="0">
+            <a:schemeClr val="dk1"/>
+          </a:fillRef>
+          <a:effectRef idx="1">
+            <a:schemeClr val="dk1"/>
+          </a:effectRef>
+          <a:fontRef idx="minor">
+            <a:schemeClr val="tx1"/>
+          </a:fontRef>
+        </p:style>
+      </p:cxnSp>
     </p:spTree>
     <p:extLst>
       <p:ext uri="{BB962C8B-B14F-4D97-AF65-F5344CB8AC3E}">
@@ -6336,6 +6471,95 @@
   <p:clrMapOvr>
     <a:masterClrMapping/>
   </p:clrMapOvr>
+  <p:timing>
+    <p:tnLst>
+      <p:par>
+        <p:cTn id="1" dur="indefinite" restart="never" nodeType="tmRoot">
+          <p:childTnLst>
+            <p:seq concurrent="1" nextAc="seek">
+              <p:cTn id="2" restart="whenNotActive" fill="hold" evtFilter="cancelBubble" nodeType="interactiveSeq">
+                <p:stCondLst>
+                  <p:cond evt="onClick" delay="0">
+                    <p:tgtEl>
+                      <p:spTgt spid="109"/>
+                    </p:tgtEl>
+                  </p:cond>
+                </p:stCondLst>
+                <p:endSync evt="end" delay="0">
+                  <p:rtn val="all"/>
+                </p:endSync>
+                <p:childTnLst>
+                  <p:par>
+                    <p:cTn id="3" fill="hold">
+                      <p:stCondLst>
+                        <p:cond delay="0"/>
+                      </p:stCondLst>
+                      <p:childTnLst>
+                        <p:par>
+                          <p:cTn id="4" fill="hold">
+                            <p:stCondLst>
+                              <p:cond delay="0"/>
+                            </p:stCondLst>
+                            <p:childTnLst>
+                              <p:par>
+                                <p:cTn id="5" presetID="22" presetClass="entr" presetSubtype="4" fill="hold" grpId="0" nodeType="clickEffect">
+                                  <p:stCondLst>
+                                    <p:cond delay="0"/>
+                                  </p:stCondLst>
+                                  <p:childTnLst>
+                                    <p:set>
+                                      <p:cBhvr>
+                                        <p:cTn id="6" dur="1" fill="hold">
+                                          <p:stCondLst>
+                                            <p:cond delay="0"/>
+                                          </p:stCondLst>
+                                        </p:cTn>
+                                        <p:tgtEl>
+                                          <p:spTgt spid="108"/>
+                                        </p:tgtEl>
+                                        <p:attrNameLst>
+                                          <p:attrName>style.visibility</p:attrName>
+                                        </p:attrNameLst>
+                                      </p:cBhvr>
+                                      <p:to>
+                                        <p:strVal val="visible"/>
+                                      </p:to>
+                                    </p:set>
+                                    <p:animEffect transition="in" filter="wipe(down)">
+                                      <p:cBhvr>
+                                        <p:cTn id="7" dur="500"/>
+                                        <p:tgtEl>
+                                          <p:spTgt spid="108"/>
+                                        </p:tgtEl>
+                                      </p:cBhvr>
+                                    </p:animEffect>
+                                  </p:childTnLst>
+                                </p:cTn>
+                              </p:par>
+                            </p:childTnLst>
+                          </p:cTn>
+                        </p:par>
+                      </p:childTnLst>
+                    </p:cTn>
+                  </p:par>
+                </p:childTnLst>
+              </p:cTn>
+              <p:nextCondLst>
+                <p:cond evt="onClick" delay="0">
+                  <p:tgtEl>
+                    <p:spTgt spid="109"/>
+                  </p:tgtEl>
+                </p:cond>
+              </p:nextCondLst>
+            </p:seq>
+          </p:childTnLst>
+        </p:cTn>
+      </p:par>
+    </p:tnLst>
+    <p:bldLst>
+      <p:bldP spid="108" grpId="0" animBg="1"/>
+    </p:bldLst>
+  </p:timing>
 </p:sld>
 </file>
 
